--- a/Presentations/3_20_20 Assignment 2 Presentation.pptx
+++ b/Presentations/3_20_20 Assignment 2 Presentation.pptx
@@ -4414,7 +4414,7 @@
           <a:graphicData uri="http://schemas.openxmlformats.org/presentationml/2006/ole">
             <mc:AlternateContent xmlns:mc="http://schemas.openxmlformats.org/markup-compatibility/2006">
               <mc:Choice xmlns:v="urn:schemas-microsoft-com:vml" Requires="v">
-                <p:oleObj spid="_x0000_s1028" name="Worksheet" r:id="rId3" imgW="8130584" imgH="3253731" progId="Excel.Sheet.12">
+                <p:oleObj spid="_x0000_s1030" name="Worksheet" r:id="rId3" imgW="8130584" imgH="3253731" progId="Excel.Sheet.12">
                   <p:embed/>
                 </p:oleObj>
               </mc:Choice>
@@ -4526,10 +4526,10 @@
       </p:sp>
       <p:sp>
         <p:nvSpPr>
-          <p:cNvPr id="11" name="TextBox 10">
-            <a:extLst>
-              <a:ext uri="{FF2B5EF4-FFF2-40B4-BE49-F238E27FC236}">
-                <a16:creationId xmlns:a16="http://schemas.microsoft.com/office/drawing/2014/main" id="{13CF696B-41E8-41C4-8B6C-A008E80C0D8B}"/>
+          <p:cNvPr id="10" name="TextBox 9">
+            <a:extLst>
+              <a:ext uri="{FF2B5EF4-FFF2-40B4-BE49-F238E27FC236}">
+                <a16:creationId xmlns:a16="http://schemas.microsoft.com/office/drawing/2014/main" id="{095F2E7D-FEF9-42BF-B71F-F59921007C36}"/>
               </a:ext>
             </a:extLst>
           </p:cNvPr>
@@ -4538,2469 +4538,7 @@
         </p:nvSpPr>
         <p:spPr>
           <a:xfrm>
-            <a:off x="4514850" y="5969463"/>
-            <a:ext cx="3162300" cy="369332"/>
-          </a:xfrm>
-          <a:prstGeom prst="rect">
-            <a:avLst/>
-          </a:prstGeom>
-          <a:noFill/>
-        </p:spPr>
-        <p:txBody>
-          <a:bodyPr wrap="square" rtlCol="0">
-            <a:spAutoFit/>
-          </a:bodyPr>
-          <a:lstStyle/>
-          <a:p>
-            <a:pPr algn="ctr">
-              <a:spcAft>
-                <a:spcPts val="600"/>
-              </a:spcAft>
-            </a:pPr>
-            <a:r>
-              <a:rPr lang="en-US" dirty="0"/>
-              <a:t>Failure Mode Effects Analysis</a:t>
-            </a:r>
-            <a:endParaRPr lang="en-US"/>
-          </a:p>
-        </p:txBody>
-      </p:sp>
-      <p:graphicFrame>
-        <p:nvGraphicFramePr>
-          <p:cNvPr id="8" name="Table 7">
-            <a:extLst>
-              <a:ext uri="{FF2B5EF4-FFF2-40B4-BE49-F238E27FC236}">
-                <a16:creationId xmlns:a16="http://schemas.microsoft.com/office/drawing/2014/main" id="{F8D0BE3F-EB2D-45A3-9812-C73ECAE6BBA8}"/>
-              </a:ext>
-            </a:extLst>
-          </p:cNvPr>
-          <p:cNvGraphicFramePr>
-            <a:graphicFrameLocks noGrp="1"/>
-          </p:cNvGraphicFramePr>
-          <p:nvPr>
-            <p:extLst>
-              <p:ext uri="{D42A27DB-BD31-4B8C-83A1-F6EECF244321}">
-                <p14:modId xmlns:p14="http://schemas.microsoft.com/office/powerpoint/2010/main" val="1048954752"/>
-              </p:ext>
-            </p:extLst>
-          </p:nvPr>
-        </p:nvGraphicFramePr>
-        <p:xfrm>
-          <a:off x="905054" y="1094398"/>
-          <a:ext cx="10381881" cy="5319334"/>
-        </p:xfrm>
-        <a:graphic>
-          <a:graphicData uri="http://schemas.openxmlformats.org/drawingml/2006/table">
-            <a:tbl>
-              <a:tblPr firstRow="1" firstCol="1" bandRow="1">
-                <a:tableStyleId>{5C22544A-7EE6-4342-B048-85BDC9FD1C3A}</a:tableStyleId>
-              </a:tblPr>
-              <a:tblGrid>
-                <a:gridCol w="788716">
-                  <a:extLst>
-                    <a:ext uri="{9D8B030D-6E8A-4147-A177-3AD203B41FA5}">
-                      <a16:colId xmlns:a16="http://schemas.microsoft.com/office/drawing/2014/main" val="2620783852"/>
-                    </a:ext>
-                  </a:extLst>
-                </a:gridCol>
-                <a:gridCol w="1983675">
-                  <a:extLst>
-                    <a:ext uri="{9D8B030D-6E8A-4147-A177-3AD203B41FA5}">
-                      <a16:colId xmlns:a16="http://schemas.microsoft.com/office/drawing/2014/main" val="693579417"/>
-                    </a:ext>
-                  </a:extLst>
-                </a:gridCol>
-                <a:gridCol w="2240819">
-                  <a:extLst>
-                    <a:ext uri="{9D8B030D-6E8A-4147-A177-3AD203B41FA5}">
-                      <a16:colId xmlns:a16="http://schemas.microsoft.com/office/drawing/2014/main" val="1602949016"/>
-                    </a:ext>
-                  </a:extLst>
-                </a:gridCol>
-                <a:gridCol w="2094959">
-                  <a:extLst>
-                    <a:ext uri="{9D8B030D-6E8A-4147-A177-3AD203B41FA5}">
-                      <a16:colId xmlns:a16="http://schemas.microsoft.com/office/drawing/2014/main" val="1957427556"/>
-                    </a:ext>
-                  </a:extLst>
-                </a:gridCol>
-                <a:gridCol w="3273712">
-                  <a:extLst>
-                    <a:ext uri="{9D8B030D-6E8A-4147-A177-3AD203B41FA5}">
-                      <a16:colId xmlns:a16="http://schemas.microsoft.com/office/drawing/2014/main" val="3837973983"/>
-                    </a:ext>
-                  </a:extLst>
-                </a:gridCol>
-              </a:tblGrid>
-              <a:tr h="425822">
-                <a:tc>
-                  <a:txBody>
-                    <a:bodyPr/>
-                    <a:lstStyle/>
-                    <a:p>
-                      <a:pPr marL="0" marR="0" algn="ctr">
-                        <a:lnSpc>
-                          <a:spcPct val="200000"/>
-                        </a:lnSpc>
-                        <a:spcBef>
-                          <a:spcPts val="0"/>
-                        </a:spcBef>
-                        <a:spcAft>
-                          <a:spcPts val="0"/>
-                        </a:spcAft>
-                      </a:pPr>
-                      <a:r>
-                        <a:rPr lang="en-US" sz="900" dirty="0">
-                          <a:effectLst/>
-                        </a:rPr>
-                        <a:t>Process Step/Input</a:t>
-                      </a:r>
-                      <a:endParaRPr lang="en-US" sz="1100" dirty="0">
-                        <a:effectLst/>
-                        <a:latin typeface="Times New Roman" panose="02020603050405020304" pitchFamily="18" charset="0"/>
-                        <a:ea typeface="Calibri" panose="020F0502020204030204" pitchFamily="34" charset="0"/>
-                      </a:endParaRPr>
-                    </a:p>
-                  </a:txBody>
-                  <a:tcPr marL="8405" marR="8405" marT="0" marB="0" anchor="ctr"/>
-                </a:tc>
-                <a:tc>
-                  <a:txBody>
-                    <a:bodyPr/>
-                    <a:lstStyle/>
-                    <a:p>
-                      <a:pPr marL="0" marR="0" algn="ctr">
-                        <a:lnSpc>
-                          <a:spcPct val="200000"/>
-                        </a:lnSpc>
-                        <a:spcBef>
-                          <a:spcPts val="0"/>
-                        </a:spcBef>
-                        <a:spcAft>
-                          <a:spcPts val="0"/>
-                        </a:spcAft>
-                      </a:pPr>
-                      <a:r>
-                        <a:rPr lang="en-US" sz="900" dirty="0">
-                          <a:effectLst/>
-                        </a:rPr>
-                        <a:t>Potential Failure Mode</a:t>
-                      </a:r>
-                      <a:endParaRPr lang="en-US" sz="1100" dirty="0">
-                        <a:effectLst/>
-                        <a:latin typeface="Times New Roman" panose="02020603050405020304" pitchFamily="18" charset="0"/>
-                        <a:ea typeface="Calibri" panose="020F0502020204030204" pitchFamily="34" charset="0"/>
-                      </a:endParaRPr>
-                    </a:p>
-                  </a:txBody>
-                  <a:tcPr marL="8405" marR="8405" marT="0" marB="0" anchor="ctr"/>
-                </a:tc>
-                <a:tc>
-                  <a:txBody>
-                    <a:bodyPr/>
-                    <a:lstStyle/>
-                    <a:p>
-                      <a:pPr marL="0" marR="0" algn="ctr">
-                        <a:lnSpc>
-                          <a:spcPct val="200000"/>
-                        </a:lnSpc>
-                        <a:spcBef>
-                          <a:spcPts val="0"/>
-                        </a:spcBef>
-                        <a:spcAft>
-                          <a:spcPts val="0"/>
-                        </a:spcAft>
-                      </a:pPr>
-                      <a:r>
-                        <a:rPr lang="en-US" sz="900" dirty="0">
-                          <a:effectLst/>
-                        </a:rPr>
-                        <a:t>Potential Failure Effects</a:t>
-                      </a:r>
-                      <a:endParaRPr lang="en-US" sz="1100" dirty="0">
-                        <a:effectLst/>
-                        <a:latin typeface="Times New Roman" panose="02020603050405020304" pitchFamily="18" charset="0"/>
-                        <a:ea typeface="Calibri" panose="020F0502020204030204" pitchFamily="34" charset="0"/>
-                      </a:endParaRPr>
-                    </a:p>
-                  </a:txBody>
-                  <a:tcPr marL="8405" marR="8405" marT="0" marB="0" anchor="ctr"/>
-                </a:tc>
-                <a:tc>
-                  <a:txBody>
-                    <a:bodyPr/>
-                    <a:lstStyle/>
-                    <a:p>
-                      <a:pPr marL="0" marR="0" algn="ctr">
-                        <a:lnSpc>
-                          <a:spcPct val="200000"/>
-                        </a:lnSpc>
-                        <a:spcBef>
-                          <a:spcPts val="0"/>
-                        </a:spcBef>
-                        <a:spcAft>
-                          <a:spcPts val="0"/>
-                        </a:spcAft>
-                      </a:pPr>
-                      <a:r>
-                        <a:rPr lang="en-US" sz="900" dirty="0">
-                          <a:effectLst/>
-                        </a:rPr>
-                        <a:t>Potential Failure Causes</a:t>
-                      </a:r>
-                      <a:endParaRPr lang="en-US" sz="1100" dirty="0">
-                        <a:effectLst/>
-                        <a:latin typeface="Times New Roman" panose="02020603050405020304" pitchFamily="18" charset="0"/>
-                        <a:ea typeface="Calibri" panose="020F0502020204030204" pitchFamily="34" charset="0"/>
-                      </a:endParaRPr>
-                    </a:p>
-                  </a:txBody>
-                  <a:tcPr marL="8405" marR="8405" marT="0" marB="0" anchor="ctr"/>
-                </a:tc>
-                <a:tc>
-                  <a:txBody>
-                    <a:bodyPr/>
-                    <a:lstStyle/>
-                    <a:p>
-                      <a:pPr marL="0" marR="0" algn="ctr">
-                        <a:lnSpc>
-                          <a:spcPct val="200000"/>
-                        </a:lnSpc>
-                        <a:spcBef>
-                          <a:spcPts val="0"/>
-                        </a:spcBef>
-                        <a:spcAft>
-                          <a:spcPts val="0"/>
-                        </a:spcAft>
-                      </a:pPr>
-                      <a:r>
-                        <a:rPr lang="en-US" sz="900" dirty="0">
-                          <a:effectLst/>
-                        </a:rPr>
-                        <a:t>Action Recommended</a:t>
-                      </a:r>
-                      <a:endParaRPr lang="en-US" sz="1100" dirty="0">
-                        <a:effectLst/>
-                        <a:latin typeface="Times New Roman" panose="02020603050405020304" pitchFamily="18" charset="0"/>
-                        <a:ea typeface="Calibri" panose="020F0502020204030204" pitchFamily="34" charset="0"/>
-                      </a:endParaRPr>
-                    </a:p>
-                  </a:txBody>
-                  <a:tcPr marL="8405" marR="8405" marT="0" marB="0" anchor="ctr"/>
-                </a:tc>
-                <a:extLst>
-                  <a:ext uri="{0D108BD9-81ED-4DB2-BD59-A6C34878D82A}">
-                    <a16:rowId xmlns:a16="http://schemas.microsoft.com/office/drawing/2014/main" val="589441776"/>
-                  </a:ext>
-                </a:extLst>
-              </a:tr>
-              <a:tr h="895638">
-                <a:tc>
-                  <a:txBody>
-                    <a:bodyPr/>
-                    <a:lstStyle/>
-                    <a:p>
-                      <a:pPr marL="0" marR="0" algn="ctr">
-                        <a:lnSpc>
-                          <a:spcPct val="200000"/>
-                        </a:lnSpc>
-                        <a:spcBef>
-                          <a:spcPts val="0"/>
-                        </a:spcBef>
-                        <a:spcAft>
-                          <a:spcPts val="0"/>
-                        </a:spcAft>
-                      </a:pPr>
-                      <a:r>
-                        <a:rPr lang="en-US" sz="900" dirty="0">
-                          <a:effectLst/>
-                        </a:rPr>
-                        <a:t>Bits in packets</a:t>
-                      </a:r>
-                      <a:endParaRPr lang="en-US" sz="1100" dirty="0">
-                        <a:effectLst/>
-                        <a:latin typeface="Times New Roman" panose="02020603050405020304" pitchFamily="18" charset="0"/>
-                        <a:ea typeface="Calibri" panose="020F0502020204030204" pitchFamily="34" charset="0"/>
-                      </a:endParaRPr>
-                    </a:p>
-                  </a:txBody>
-                  <a:tcPr marL="8405" marR="8405" marT="0" marB="0" anchor="ctr"/>
-                </a:tc>
-                <a:tc>
-                  <a:txBody>
-                    <a:bodyPr/>
-                    <a:lstStyle/>
-                    <a:p>
-                      <a:pPr marL="0" marR="0" algn="l" defTabSz="914400" rtl="0" eaLnBrk="1" latinLnBrk="0" hangingPunct="1">
-                        <a:lnSpc>
-                          <a:spcPct val="200000"/>
-                        </a:lnSpc>
-                        <a:spcBef>
-                          <a:spcPts val="0"/>
-                        </a:spcBef>
-                        <a:spcAft>
-                          <a:spcPts val="0"/>
-                        </a:spcAft>
-                      </a:pPr>
-                      <a:r>
-                        <a:rPr lang="en-US" sz="600" kern="1200" dirty="0">
-                          <a:solidFill>
-                            <a:schemeClr val="dk1"/>
-                          </a:solidFill>
-                          <a:effectLst/>
-                          <a:latin typeface="+mn-lt"/>
-                          <a:ea typeface="+mn-ea"/>
-                          <a:cs typeface="+mn-cs"/>
-                        </a:rPr>
-                        <a:t>1.) Receiving TNC/Computer mistakes bits for flags</a:t>
-                      </a:r>
-                    </a:p>
-                  </a:txBody>
-                  <a:tcPr marL="8405" marR="8405" marT="0" marB="0"/>
-                </a:tc>
-                <a:tc>
-                  <a:txBody>
-                    <a:bodyPr/>
-                    <a:lstStyle/>
-                    <a:p>
-                      <a:pPr marL="0" marR="0" algn="l" defTabSz="914400" rtl="0" eaLnBrk="1" latinLnBrk="0" hangingPunct="1">
-                        <a:lnSpc>
-                          <a:spcPct val="200000"/>
-                        </a:lnSpc>
-                        <a:spcBef>
-                          <a:spcPts val="0"/>
-                        </a:spcBef>
-                        <a:spcAft>
-                          <a:spcPts val="0"/>
-                        </a:spcAft>
-                      </a:pPr>
-                      <a:r>
-                        <a:rPr lang="en-US" sz="600" kern="1200" dirty="0">
-                          <a:solidFill>
-                            <a:schemeClr val="dk1"/>
-                          </a:solidFill>
-                          <a:effectLst/>
-                          <a:latin typeface="+mn-lt"/>
-                          <a:ea typeface="+mn-ea"/>
-                          <a:cs typeface="+mn-cs"/>
-                        </a:rPr>
-                        <a:t>1.) </a:t>
-                      </a:r>
-                    </a:p>
-                    <a:p>
-                      <a:pPr marL="0" marR="0" lvl="0" indent="-342900" algn="l" defTabSz="914400" rtl="0" eaLnBrk="1" latinLnBrk="0" hangingPunct="1">
-                        <a:lnSpc>
-                          <a:spcPct val="200000"/>
-                        </a:lnSpc>
-                        <a:spcBef>
-                          <a:spcPts val="0"/>
-                        </a:spcBef>
-                        <a:spcAft>
-                          <a:spcPts val="0"/>
-                        </a:spcAft>
-                        <a:buFont typeface="Symbol" panose="05050102010706020507" pitchFamily="18" charset="2"/>
-                        <a:buChar char=""/>
-                      </a:pPr>
-                      <a:r>
-                        <a:rPr lang="en-US" sz="600" kern="1200" dirty="0">
-                          <a:solidFill>
-                            <a:schemeClr val="dk1"/>
-                          </a:solidFill>
-                          <a:effectLst/>
-                          <a:latin typeface="+mn-lt"/>
-                          <a:ea typeface="+mn-ea"/>
-                          <a:cs typeface="+mn-cs"/>
-                        </a:rPr>
-                        <a:t>misinterpretation of information from receiving end</a:t>
-                      </a:r>
-                    </a:p>
-                    <a:p>
-                      <a:pPr marL="0" marR="0" lvl="0" indent="-342900" algn="l" defTabSz="914400" rtl="0" eaLnBrk="1" latinLnBrk="0" hangingPunct="1">
-                        <a:lnSpc>
-                          <a:spcPct val="200000"/>
-                        </a:lnSpc>
-                        <a:spcBef>
-                          <a:spcPts val="0"/>
-                        </a:spcBef>
-                        <a:spcAft>
-                          <a:spcPts val="0"/>
-                        </a:spcAft>
-                        <a:buFont typeface="Symbol" panose="05050102010706020507" pitchFamily="18" charset="2"/>
-                        <a:buChar char=""/>
-                      </a:pPr>
-                      <a:r>
-                        <a:rPr lang="en-US" sz="600" kern="1200" dirty="0">
-                          <a:solidFill>
-                            <a:schemeClr val="dk1"/>
-                          </a:solidFill>
-                          <a:effectLst/>
-                          <a:latin typeface="+mn-lt"/>
-                          <a:ea typeface="+mn-ea"/>
-                          <a:cs typeface="+mn-cs"/>
-                        </a:rPr>
-                        <a:t>disposal of packet due to invalid size</a:t>
-                      </a:r>
-                    </a:p>
-                    <a:p>
-                      <a:pPr marL="0" marR="0" algn="l" defTabSz="914400" rtl="0" eaLnBrk="1" latinLnBrk="0" hangingPunct="1">
-                        <a:lnSpc>
-                          <a:spcPct val="200000"/>
-                        </a:lnSpc>
-                        <a:spcBef>
-                          <a:spcPts val="0"/>
-                        </a:spcBef>
-                        <a:spcAft>
-                          <a:spcPts val="0"/>
-                        </a:spcAft>
-                      </a:pPr>
-                      <a:endParaRPr lang="en-US" sz="600" kern="1200" dirty="0">
-                        <a:solidFill>
-                          <a:schemeClr val="dk1"/>
-                        </a:solidFill>
-                        <a:effectLst/>
-                        <a:latin typeface="+mn-lt"/>
-                        <a:ea typeface="+mn-ea"/>
-                        <a:cs typeface="+mn-cs"/>
-                      </a:endParaRPr>
-                    </a:p>
-                  </a:txBody>
-                  <a:tcPr marL="8405" marR="8405" marT="0" marB="0"/>
-                </a:tc>
-                <a:tc>
-                  <a:txBody>
-                    <a:bodyPr/>
-                    <a:lstStyle/>
-                    <a:p>
-                      <a:pPr marL="0" marR="0" algn="l" defTabSz="914400" rtl="0" eaLnBrk="1" latinLnBrk="0" hangingPunct="1">
-                        <a:lnSpc>
-                          <a:spcPct val="200000"/>
-                        </a:lnSpc>
-                        <a:spcBef>
-                          <a:spcPts val="0"/>
-                        </a:spcBef>
-                        <a:spcAft>
-                          <a:spcPts val="0"/>
-                        </a:spcAft>
-                      </a:pPr>
-                      <a:r>
-                        <a:rPr lang="en-US" sz="600" kern="1200" dirty="0">
-                          <a:solidFill>
-                            <a:schemeClr val="dk1"/>
-                          </a:solidFill>
-                          <a:effectLst/>
-                          <a:latin typeface="+mn-lt"/>
-                          <a:ea typeface="+mn-ea"/>
-                          <a:cs typeface="+mn-cs"/>
-                        </a:rPr>
-                        <a:t>1.)</a:t>
-                      </a:r>
-                    </a:p>
-                    <a:p>
-                      <a:pPr marL="0" marR="0" lvl="0" indent="-342900" algn="l" defTabSz="914400" rtl="0" eaLnBrk="1" latinLnBrk="0" hangingPunct="1">
-                        <a:lnSpc>
-                          <a:spcPct val="200000"/>
-                        </a:lnSpc>
-                        <a:spcBef>
-                          <a:spcPts val="0"/>
-                        </a:spcBef>
-                        <a:spcAft>
-                          <a:spcPts val="0"/>
-                        </a:spcAft>
-                        <a:buFont typeface="Symbol" panose="05050102010706020507" pitchFamily="18" charset="2"/>
-                        <a:buChar char=""/>
-                      </a:pPr>
-                      <a:r>
-                        <a:rPr lang="en-US" sz="600" kern="1200" dirty="0">
-                          <a:solidFill>
-                            <a:schemeClr val="dk1"/>
-                          </a:solidFill>
-                          <a:effectLst/>
-                          <a:latin typeface="+mn-lt"/>
-                          <a:ea typeface="+mn-ea"/>
-                          <a:cs typeface="+mn-cs"/>
-                        </a:rPr>
-                        <a:t>Bits, anywhere in payload of KISS packet, are arranged as “11000000” </a:t>
-                      </a:r>
-                    </a:p>
-                    <a:p>
-                      <a:pPr marL="0" marR="0" lvl="0" indent="-342900" algn="l" defTabSz="914400" rtl="0" eaLnBrk="1" latinLnBrk="0" hangingPunct="1">
-                        <a:lnSpc>
-                          <a:spcPct val="200000"/>
-                        </a:lnSpc>
-                        <a:spcBef>
-                          <a:spcPts val="0"/>
-                        </a:spcBef>
-                        <a:spcAft>
-                          <a:spcPts val="0"/>
-                        </a:spcAft>
-                        <a:buFont typeface="Symbol" panose="05050102010706020507" pitchFamily="18" charset="2"/>
-                        <a:buChar char=""/>
-                      </a:pPr>
-                      <a:r>
-                        <a:rPr lang="en-US" sz="600" kern="1200" dirty="0">
-                          <a:solidFill>
-                            <a:schemeClr val="dk1"/>
-                          </a:solidFill>
-                          <a:effectLst/>
-                          <a:latin typeface="+mn-lt"/>
-                          <a:ea typeface="+mn-ea"/>
-                          <a:cs typeface="+mn-cs"/>
-                        </a:rPr>
-                        <a:t>Bits, anywhere not in flags of HDLC packet, are arranged as “01111110”</a:t>
-                      </a:r>
-                    </a:p>
-                  </a:txBody>
-                  <a:tcPr marL="8405" marR="8405" marT="0" marB="0"/>
-                </a:tc>
-                <a:tc>
-                  <a:txBody>
-                    <a:bodyPr/>
-                    <a:lstStyle/>
-                    <a:p>
-                      <a:pPr marL="0" marR="0" algn="l" defTabSz="914400" rtl="0" eaLnBrk="1" latinLnBrk="0" hangingPunct="1">
-                        <a:lnSpc>
-                          <a:spcPct val="200000"/>
-                        </a:lnSpc>
-                        <a:spcBef>
-                          <a:spcPts val="0"/>
-                        </a:spcBef>
-                        <a:spcAft>
-                          <a:spcPts val="0"/>
-                        </a:spcAft>
-                      </a:pPr>
-                      <a:r>
-                        <a:rPr lang="en-US" sz="600" kern="1200" dirty="0">
-                          <a:solidFill>
-                            <a:schemeClr val="dk1"/>
-                          </a:solidFill>
-                          <a:effectLst/>
-                          <a:latin typeface="+mn-lt"/>
-                          <a:ea typeface="+mn-ea"/>
-                          <a:cs typeface="+mn-cs"/>
-                        </a:rPr>
-                        <a:t>1.)</a:t>
-                      </a:r>
-                    </a:p>
-                    <a:p>
-                      <a:pPr marL="0" marR="0" lvl="0" indent="-342900" algn="l" defTabSz="914400" rtl="0" eaLnBrk="1" latinLnBrk="0" hangingPunct="1">
-                        <a:lnSpc>
-                          <a:spcPct val="200000"/>
-                        </a:lnSpc>
-                        <a:spcBef>
-                          <a:spcPts val="0"/>
-                        </a:spcBef>
-                        <a:spcAft>
-                          <a:spcPts val="0"/>
-                        </a:spcAft>
-                        <a:buFont typeface="Symbol" panose="05050102010706020507" pitchFamily="18" charset="2"/>
-                        <a:buChar char=""/>
-                      </a:pPr>
-                      <a:r>
-                        <a:rPr lang="en-US" sz="600" kern="1200" dirty="0">
-                          <a:solidFill>
-                            <a:schemeClr val="dk1"/>
-                          </a:solidFill>
-                          <a:effectLst/>
-                          <a:latin typeface="+mn-lt"/>
-                          <a:ea typeface="+mn-ea"/>
-                          <a:cs typeface="+mn-cs"/>
-                        </a:rPr>
-                        <a:t>Bit stuffing:  </a:t>
-                      </a:r>
-                    </a:p>
-                    <a:p>
-                      <a:pPr marL="0" marR="0" lvl="0" indent="-342900" algn="l" defTabSz="914400" rtl="0" eaLnBrk="1" latinLnBrk="0" hangingPunct="1">
-                        <a:lnSpc>
-                          <a:spcPct val="200000"/>
-                        </a:lnSpc>
-                        <a:spcBef>
-                          <a:spcPts val="0"/>
-                        </a:spcBef>
-                        <a:spcAft>
-                          <a:spcPts val="0"/>
-                        </a:spcAft>
-                        <a:buFont typeface="Times New Roman" panose="02020603050405020304" pitchFamily="18" charset="0"/>
-                        <a:buChar char="-"/>
-                      </a:pPr>
-                      <a:r>
-                        <a:rPr lang="en-US" sz="600" kern="1200" dirty="0">
-                          <a:solidFill>
-                            <a:schemeClr val="dk1"/>
-                          </a:solidFill>
-                          <a:effectLst/>
-                          <a:latin typeface="+mn-lt"/>
-                          <a:ea typeface="+mn-ea"/>
-                          <a:cs typeface="+mn-cs"/>
-                        </a:rPr>
-                        <a:t>In KISS mode, a “1” is added after every “00000” arrangement in payload. Receiving TNC removes added “1” after every “00000”</a:t>
-                      </a:r>
-                    </a:p>
-                    <a:p>
-                      <a:pPr marL="0" marR="0" lvl="0" indent="-342900" algn="l" defTabSz="914400" rtl="0" eaLnBrk="1" latinLnBrk="0" hangingPunct="1">
-                        <a:lnSpc>
-                          <a:spcPct val="200000"/>
-                        </a:lnSpc>
-                        <a:spcBef>
-                          <a:spcPts val="0"/>
-                        </a:spcBef>
-                        <a:spcAft>
-                          <a:spcPts val="0"/>
-                        </a:spcAft>
-                        <a:buFont typeface="Times New Roman" panose="02020603050405020304" pitchFamily="18" charset="0"/>
-                        <a:buChar char="-"/>
-                      </a:pPr>
-                      <a:r>
-                        <a:rPr lang="en-US" sz="600" kern="1200" dirty="0">
-                          <a:solidFill>
-                            <a:schemeClr val="dk1"/>
-                          </a:solidFill>
-                          <a:effectLst/>
-                          <a:latin typeface="+mn-lt"/>
-                          <a:ea typeface="+mn-ea"/>
-                          <a:cs typeface="+mn-cs"/>
-                        </a:rPr>
-                        <a:t>In a HDLC, a “0” is added after every “11111” arrangement. Receiving TNC removes added “0” after every “11111”</a:t>
-                      </a:r>
-                    </a:p>
-                  </a:txBody>
-                  <a:tcPr marL="8405" marR="8405" marT="0" marB="0"/>
-                </a:tc>
-                <a:extLst>
-                  <a:ext uri="{0D108BD9-81ED-4DB2-BD59-A6C34878D82A}">
-                    <a16:rowId xmlns:a16="http://schemas.microsoft.com/office/drawing/2014/main" val="43422800"/>
-                  </a:ext>
-                </a:extLst>
-              </a:tr>
-              <a:tr h="742801">
-                <a:tc>
-                  <a:txBody>
-                    <a:bodyPr/>
-                    <a:lstStyle/>
-                    <a:p>
-                      <a:pPr marL="0" marR="0" algn="ctr">
-                        <a:lnSpc>
-                          <a:spcPct val="200000"/>
-                        </a:lnSpc>
-                        <a:spcBef>
-                          <a:spcPts val="0"/>
-                        </a:spcBef>
-                        <a:spcAft>
-                          <a:spcPts val="0"/>
-                        </a:spcAft>
-                      </a:pPr>
-                      <a:r>
-                        <a:rPr lang="en-US" sz="900">
-                          <a:effectLst/>
-                        </a:rPr>
-                        <a:t>Packet format</a:t>
-                      </a:r>
-                      <a:endParaRPr lang="en-US" sz="1100">
-                        <a:effectLst/>
-                        <a:latin typeface="Times New Roman" panose="02020603050405020304" pitchFamily="18" charset="0"/>
-                        <a:ea typeface="Calibri" panose="020F0502020204030204" pitchFamily="34" charset="0"/>
-                      </a:endParaRPr>
-                    </a:p>
-                  </a:txBody>
-                  <a:tcPr marL="8405" marR="8405" marT="0" marB="0" anchor="ctr"/>
-                </a:tc>
-                <a:tc>
-                  <a:txBody>
-                    <a:bodyPr/>
-                    <a:lstStyle/>
-                    <a:p>
-                      <a:pPr marL="0" marR="0" algn="l" defTabSz="914400" rtl="0" eaLnBrk="1" latinLnBrk="0" hangingPunct="1">
-                        <a:lnSpc>
-                          <a:spcPct val="200000"/>
-                        </a:lnSpc>
-                        <a:spcBef>
-                          <a:spcPts val="0"/>
-                        </a:spcBef>
-                        <a:spcAft>
-                          <a:spcPts val="0"/>
-                        </a:spcAft>
-                      </a:pPr>
-                      <a:r>
-                        <a:rPr lang="en-US" sz="600" kern="1200" dirty="0">
-                          <a:solidFill>
-                            <a:schemeClr val="dk1"/>
-                          </a:solidFill>
-                          <a:effectLst/>
-                          <a:latin typeface="+mn-lt"/>
-                          <a:ea typeface="+mn-ea"/>
-                          <a:cs typeface="+mn-cs"/>
-                        </a:rPr>
-                        <a:t>1.) Invalid Packet  </a:t>
-                      </a:r>
-                    </a:p>
-                    <a:p>
-                      <a:pPr marL="0" marR="0" algn="l" defTabSz="914400" rtl="0" eaLnBrk="1" latinLnBrk="0" hangingPunct="1">
-                        <a:lnSpc>
-                          <a:spcPct val="200000"/>
-                        </a:lnSpc>
-                        <a:spcBef>
-                          <a:spcPts val="0"/>
-                        </a:spcBef>
-                        <a:spcAft>
-                          <a:spcPts val="0"/>
-                        </a:spcAft>
-                      </a:pPr>
-                      <a:r>
-                        <a:rPr lang="en-US" sz="600" kern="1200" dirty="0">
-                          <a:solidFill>
-                            <a:schemeClr val="dk1"/>
-                          </a:solidFill>
-                          <a:effectLst/>
-                          <a:latin typeface="+mn-lt"/>
-                          <a:ea typeface="+mn-ea"/>
-                          <a:cs typeface="+mn-cs"/>
-                        </a:rPr>
-                        <a:t>     Format: </a:t>
-                      </a:r>
-                    </a:p>
-                    <a:p>
-                      <a:pPr marL="0" marR="0" lvl="0" indent="-342900" algn="l" defTabSz="914400" rtl="0" eaLnBrk="1" latinLnBrk="0" hangingPunct="1">
-                        <a:lnSpc>
-                          <a:spcPct val="200000"/>
-                        </a:lnSpc>
-                        <a:spcBef>
-                          <a:spcPts val="0"/>
-                        </a:spcBef>
-                        <a:spcAft>
-                          <a:spcPts val="0"/>
-                        </a:spcAft>
-                        <a:buFont typeface="Symbol" panose="05050102010706020507" pitchFamily="18" charset="2"/>
-                        <a:buChar char=""/>
-                      </a:pPr>
-                      <a:r>
-                        <a:rPr lang="en-US" sz="600" kern="1200" dirty="0">
-                          <a:solidFill>
-                            <a:schemeClr val="dk1"/>
-                          </a:solidFill>
-                          <a:effectLst/>
-                          <a:latin typeface="+mn-lt"/>
-                          <a:ea typeface="+mn-ea"/>
-                          <a:cs typeface="+mn-cs"/>
-                        </a:rPr>
-                        <a:t>Less than 136 bits in frame</a:t>
-                      </a:r>
-                    </a:p>
-                    <a:p>
-                      <a:pPr marL="0" marR="0" lvl="0" indent="-342900" algn="l" defTabSz="914400" rtl="0" eaLnBrk="1" latinLnBrk="0" hangingPunct="1">
-                        <a:lnSpc>
-                          <a:spcPct val="200000"/>
-                        </a:lnSpc>
-                        <a:spcBef>
-                          <a:spcPts val="0"/>
-                        </a:spcBef>
-                        <a:spcAft>
-                          <a:spcPts val="0"/>
-                        </a:spcAft>
-                        <a:buFont typeface="Symbol" panose="05050102010706020507" pitchFamily="18" charset="2"/>
-                        <a:buChar char=""/>
-                      </a:pPr>
-                      <a:r>
-                        <a:rPr lang="en-US" sz="600" kern="1200" dirty="0">
-                          <a:solidFill>
-                            <a:schemeClr val="dk1"/>
-                          </a:solidFill>
-                          <a:effectLst/>
-                          <a:latin typeface="+mn-lt"/>
-                          <a:ea typeface="+mn-ea"/>
-                          <a:cs typeface="+mn-cs"/>
-                        </a:rPr>
-                        <a:t>Not bounded by opening and closing flags</a:t>
-                      </a:r>
-                    </a:p>
-                    <a:p>
-                      <a:pPr marL="0" marR="0" lvl="0" indent="-342900" algn="l" defTabSz="914400" rtl="0" eaLnBrk="1" latinLnBrk="0" hangingPunct="1">
-                        <a:lnSpc>
-                          <a:spcPct val="200000"/>
-                        </a:lnSpc>
-                        <a:spcBef>
-                          <a:spcPts val="0"/>
-                        </a:spcBef>
-                        <a:spcAft>
-                          <a:spcPts val="0"/>
-                        </a:spcAft>
-                        <a:buFont typeface="Symbol" panose="05050102010706020507" pitchFamily="18" charset="2"/>
-                        <a:buChar char=""/>
-                      </a:pPr>
-                      <a:r>
-                        <a:rPr lang="en-US" sz="600" kern="1200" dirty="0">
-                          <a:solidFill>
-                            <a:schemeClr val="dk1"/>
-                          </a:solidFill>
-                          <a:effectLst/>
-                          <a:latin typeface="+mn-lt"/>
-                          <a:ea typeface="+mn-ea"/>
-                          <a:cs typeface="+mn-cs"/>
-                        </a:rPr>
-                        <a:t>Not </a:t>
-                      </a:r>
-                      <a:r>
-                        <a:rPr lang="en-US" sz="600" kern="1200" dirty="0" err="1">
-                          <a:solidFill>
-                            <a:schemeClr val="dk1"/>
-                          </a:solidFill>
-                          <a:effectLst/>
-                          <a:latin typeface="+mn-lt"/>
-                          <a:ea typeface="+mn-ea"/>
-                          <a:cs typeface="+mn-cs"/>
-                        </a:rPr>
-                        <a:t>octect</a:t>
-                      </a:r>
-                      <a:r>
-                        <a:rPr lang="en-US" sz="600" kern="1200" dirty="0">
-                          <a:solidFill>
-                            <a:schemeClr val="dk1"/>
-                          </a:solidFill>
-                          <a:effectLst/>
-                          <a:latin typeface="+mn-lt"/>
-                          <a:ea typeface="+mn-ea"/>
-                          <a:cs typeface="+mn-cs"/>
-                        </a:rPr>
-                        <a:t> aligned</a:t>
-                      </a:r>
-                    </a:p>
-                  </a:txBody>
-                  <a:tcPr marL="8405" marR="8405" marT="0" marB="0"/>
-                </a:tc>
-                <a:tc>
-                  <a:txBody>
-                    <a:bodyPr/>
-                    <a:lstStyle/>
-                    <a:p>
-                      <a:pPr marL="0" marR="0" algn="l" defTabSz="914400" rtl="0" eaLnBrk="1" latinLnBrk="0" hangingPunct="1">
-                        <a:lnSpc>
-                          <a:spcPct val="200000"/>
-                        </a:lnSpc>
-                        <a:spcBef>
-                          <a:spcPts val="0"/>
-                        </a:spcBef>
-                        <a:spcAft>
-                          <a:spcPts val="0"/>
-                        </a:spcAft>
-                      </a:pPr>
-                      <a:r>
-                        <a:rPr lang="en-US" sz="600" kern="1200" dirty="0">
-                          <a:solidFill>
-                            <a:schemeClr val="dk1"/>
-                          </a:solidFill>
-                          <a:effectLst/>
-                          <a:latin typeface="+mn-lt"/>
-                          <a:ea typeface="+mn-ea"/>
-                          <a:cs typeface="+mn-cs"/>
-                        </a:rPr>
-                        <a:t>­1.)</a:t>
-                      </a:r>
-                    </a:p>
-                    <a:p>
-                      <a:pPr marL="0" marR="0" lvl="0" indent="-342900" algn="l" defTabSz="914400" rtl="0" eaLnBrk="1" latinLnBrk="0" hangingPunct="1">
-                        <a:lnSpc>
-                          <a:spcPct val="200000"/>
-                        </a:lnSpc>
-                        <a:spcBef>
-                          <a:spcPts val="0"/>
-                        </a:spcBef>
-                        <a:spcAft>
-                          <a:spcPts val="0"/>
-                        </a:spcAft>
-                        <a:buFont typeface="Symbol" panose="05050102010706020507" pitchFamily="18" charset="2"/>
-                        <a:buChar char=""/>
-                      </a:pPr>
-                      <a:r>
-                        <a:rPr lang="en-US" sz="600" kern="1200" dirty="0">
-                          <a:solidFill>
-                            <a:schemeClr val="dk1"/>
-                          </a:solidFill>
-                          <a:effectLst/>
-                          <a:latin typeface="+mn-lt"/>
-                          <a:ea typeface="+mn-ea"/>
-                          <a:cs typeface="+mn-cs"/>
-                        </a:rPr>
-                        <a:t>Inaccurate information received</a:t>
-                      </a:r>
-                    </a:p>
-                  </a:txBody>
-                  <a:tcPr marL="8405" marR="8405" marT="0" marB="0"/>
-                </a:tc>
-                <a:tc>
-                  <a:txBody>
-                    <a:bodyPr/>
-                    <a:lstStyle/>
-                    <a:p>
-                      <a:pPr marL="0" marR="0" algn="l" defTabSz="914400" rtl="0" eaLnBrk="1" latinLnBrk="0" hangingPunct="1">
-                        <a:lnSpc>
-                          <a:spcPct val="200000"/>
-                        </a:lnSpc>
-                        <a:spcBef>
-                          <a:spcPts val="0"/>
-                        </a:spcBef>
-                        <a:spcAft>
-                          <a:spcPts val="0"/>
-                        </a:spcAft>
-                      </a:pPr>
-                      <a:r>
-                        <a:rPr lang="en-US" sz="600" kern="1200" dirty="0">
-                          <a:solidFill>
-                            <a:schemeClr val="dk1"/>
-                          </a:solidFill>
-                          <a:effectLst/>
-                          <a:latin typeface="+mn-lt"/>
-                          <a:ea typeface="+mn-ea"/>
-                          <a:cs typeface="+mn-cs"/>
-                        </a:rPr>
-                        <a:t>1.)</a:t>
-                      </a:r>
-                    </a:p>
-                    <a:p>
-                      <a:pPr marL="0" marR="0" lvl="0" indent="-342900" algn="l" defTabSz="914400" rtl="0" eaLnBrk="1" latinLnBrk="0" hangingPunct="1">
-                        <a:lnSpc>
-                          <a:spcPct val="200000"/>
-                        </a:lnSpc>
-                        <a:spcBef>
-                          <a:spcPts val="0"/>
-                        </a:spcBef>
-                        <a:spcAft>
-                          <a:spcPts val="0"/>
-                        </a:spcAft>
-                        <a:buFont typeface="Symbol" panose="05050102010706020507" pitchFamily="18" charset="2"/>
-                        <a:buChar char=""/>
-                      </a:pPr>
-                      <a:r>
-                        <a:rPr lang="en-US" sz="600" kern="1200" dirty="0">
-                          <a:solidFill>
-                            <a:schemeClr val="dk1"/>
-                          </a:solidFill>
-                          <a:effectLst/>
-                          <a:latin typeface="+mn-lt"/>
-                          <a:ea typeface="+mn-ea"/>
-                          <a:cs typeface="+mn-cs"/>
-                        </a:rPr>
-                        <a:t>Code failure</a:t>
-                      </a:r>
-                    </a:p>
-                    <a:p>
-                      <a:pPr marL="0" marR="0" lvl="0" indent="-342900" algn="l" defTabSz="914400" rtl="0" eaLnBrk="1" latinLnBrk="0" hangingPunct="1">
-                        <a:lnSpc>
-                          <a:spcPct val="200000"/>
-                        </a:lnSpc>
-                        <a:spcBef>
-                          <a:spcPts val="0"/>
-                        </a:spcBef>
-                        <a:spcAft>
-                          <a:spcPts val="0"/>
-                        </a:spcAft>
-                        <a:buFont typeface="Symbol" panose="05050102010706020507" pitchFamily="18" charset="2"/>
-                        <a:buChar char=""/>
-                      </a:pPr>
-                      <a:r>
-                        <a:rPr lang="en-US" sz="600" kern="1200" dirty="0">
-                          <a:solidFill>
-                            <a:schemeClr val="dk1"/>
-                          </a:solidFill>
-                          <a:effectLst/>
-                          <a:latin typeface="+mn-lt"/>
-                          <a:ea typeface="+mn-ea"/>
-                          <a:cs typeface="+mn-cs"/>
-                        </a:rPr>
-                        <a:t>Excess noise on the received audio to digital conversion</a:t>
-                      </a:r>
-                    </a:p>
-                  </a:txBody>
-                  <a:tcPr marL="8405" marR="8405" marT="0" marB="0"/>
-                </a:tc>
-                <a:tc>
-                  <a:txBody>
-                    <a:bodyPr/>
-                    <a:lstStyle/>
-                    <a:p>
-                      <a:pPr marL="0" marR="0" algn="l" defTabSz="914400" rtl="0" eaLnBrk="1" latinLnBrk="0" hangingPunct="1">
-                        <a:lnSpc>
-                          <a:spcPct val="200000"/>
-                        </a:lnSpc>
-                        <a:spcBef>
-                          <a:spcPts val="0"/>
-                        </a:spcBef>
-                        <a:spcAft>
-                          <a:spcPts val="0"/>
-                        </a:spcAft>
-                      </a:pPr>
-                      <a:r>
-                        <a:rPr lang="en-US" sz="600" kern="1200" dirty="0">
-                          <a:solidFill>
-                            <a:schemeClr val="dk1"/>
-                          </a:solidFill>
-                          <a:effectLst/>
-                          <a:latin typeface="+mn-lt"/>
-                          <a:ea typeface="+mn-ea"/>
-                          <a:cs typeface="+mn-cs"/>
-                        </a:rPr>
-                        <a:t>1.)</a:t>
-                      </a:r>
-                    </a:p>
-                    <a:p>
-                      <a:pPr marL="0" marR="0" indent="-228600" algn="l" defTabSz="914400" rtl="0" eaLnBrk="1" latinLnBrk="0" hangingPunct="1">
-                        <a:lnSpc>
-                          <a:spcPct val="200000"/>
-                        </a:lnSpc>
-                        <a:spcBef>
-                          <a:spcPts val="0"/>
-                        </a:spcBef>
-                        <a:spcAft>
-                          <a:spcPts val="0"/>
-                        </a:spcAft>
-                      </a:pPr>
-                      <a:r>
-                        <a:rPr lang="en-US" sz="600" kern="1200" dirty="0">
-                          <a:solidFill>
-                            <a:schemeClr val="dk1"/>
-                          </a:solidFill>
-                          <a:effectLst/>
-                          <a:latin typeface="+mn-lt"/>
-                          <a:ea typeface="+mn-ea"/>
-                          <a:cs typeface="+mn-cs"/>
-                        </a:rPr>
-                        <a:t>Receiving TNC disposes packet</a:t>
-                      </a:r>
-                    </a:p>
-                    <a:p>
-                      <a:pPr marL="0" marR="0" indent="-228600" algn="l" defTabSz="914400" rtl="0" eaLnBrk="1" latinLnBrk="0" hangingPunct="1">
-                        <a:lnSpc>
-                          <a:spcPct val="200000"/>
-                        </a:lnSpc>
-                        <a:spcBef>
-                          <a:spcPts val="0"/>
-                        </a:spcBef>
-                        <a:spcAft>
-                          <a:spcPts val="0"/>
-                        </a:spcAft>
-                      </a:pPr>
-                      <a:r>
-                        <a:rPr lang="en-US" sz="600" kern="1200" dirty="0">
-                          <a:solidFill>
-                            <a:schemeClr val="dk1"/>
-                          </a:solidFill>
-                          <a:effectLst/>
-                          <a:latin typeface="+mn-lt"/>
-                          <a:ea typeface="+mn-ea"/>
-                          <a:cs typeface="+mn-cs"/>
-                        </a:rPr>
-                        <a:t>Rewrite Code</a:t>
-                      </a:r>
-                    </a:p>
-                  </a:txBody>
-                  <a:tcPr marL="8405" marR="8405" marT="0" marB="0"/>
-                </a:tc>
-                <a:extLst>
-                  <a:ext uri="{0D108BD9-81ED-4DB2-BD59-A6C34878D82A}">
-                    <a16:rowId xmlns:a16="http://schemas.microsoft.com/office/drawing/2014/main" val="1567145491"/>
-                  </a:ext>
-                </a:extLst>
-              </a:tr>
-              <a:tr h="437126">
-                <a:tc>
-                  <a:txBody>
-                    <a:bodyPr/>
-                    <a:lstStyle/>
-                    <a:p>
-                      <a:pPr marL="0" marR="0" algn="ctr">
-                        <a:lnSpc>
-                          <a:spcPct val="200000"/>
-                        </a:lnSpc>
-                        <a:spcBef>
-                          <a:spcPts val="0"/>
-                        </a:spcBef>
-                        <a:spcAft>
-                          <a:spcPts val="0"/>
-                        </a:spcAft>
-                      </a:pPr>
-                      <a:r>
-                        <a:rPr lang="en-US" sz="900">
-                          <a:effectLst/>
-                        </a:rPr>
-                        <a:t>Transmitter</a:t>
-                      </a:r>
-                      <a:endParaRPr lang="en-US" sz="1100">
-                        <a:effectLst/>
-                        <a:latin typeface="Times New Roman" panose="02020603050405020304" pitchFamily="18" charset="0"/>
-                        <a:ea typeface="Calibri" panose="020F0502020204030204" pitchFamily="34" charset="0"/>
-                      </a:endParaRPr>
-                    </a:p>
-                  </a:txBody>
-                  <a:tcPr marL="8405" marR="8405" marT="0" marB="0" anchor="ctr"/>
-                </a:tc>
-                <a:tc>
-                  <a:txBody>
-                    <a:bodyPr/>
-                    <a:lstStyle/>
-                    <a:p>
-                      <a:pPr marL="0" marR="0" algn="l" defTabSz="914400" rtl="0" eaLnBrk="1" latinLnBrk="0" hangingPunct="1">
-                        <a:lnSpc>
-                          <a:spcPct val="200000"/>
-                        </a:lnSpc>
-                        <a:spcBef>
-                          <a:spcPts val="0"/>
-                        </a:spcBef>
-                        <a:spcAft>
-                          <a:spcPts val="0"/>
-                        </a:spcAft>
-                      </a:pPr>
-                      <a:r>
-                        <a:rPr lang="en-US" sz="600" kern="1200">
-                          <a:solidFill>
-                            <a:schemeClr val="dk1"/>
-                          </a:solidFill>
-                          <a:effectLst/>
-                          <a:latin typeface="+mn-lt"/>
-                          <a:ea typeface="+mn-ea"/>
-                          <a:cs typeface="+mn-cs"/>
-                        </a:rPr>
-                        <a:t>1.) Transmitter is kept on for an extensive amount of time</a:t>
-                      </a:r>
-                    </a:p>
-                  </a:txBody>
-                  <a:tcPr marL="8405" marR="8405" marT="0" marB="0"/>
-                </a:tc>
-                <a:tc>
-                  <a:txBody>
-                    <a:bodyPr/>
-                    <a:lstStyle/>
-                    <a:p>
-                      <a:pPr marL="0" marR="0" algn="l" defTabSz="914400" rtl="0" eaLnBrk="1" latinLnBrk="0" hangingPunct="1">
-                        <a:lnSpc>
-                          <a:spcPct val="200000"/>
-                        </a:lnSpc>
-                        <a:spcBef>
-                          <a:spcPts val="0"/>
-                        </a:spcBef>
-                        <a:spcAft>
-                          <a:spcPts val="0"/>
-                        </a:spcAft>
-                      </a:pPr>
-                      <a:r>
-                        <a:rPr lang="en-US" sz="600" kern="1200">
-                          <a:solidFill>
-                            <a:schemeClr val="dk1"/>
-                          </a:solidFill>
-                          <a:effectLst/>
-                          <a:latin typeface="+mn-lt"/>
-                          <a:ea typeface="+mn-ea"/>
-                          <a:cs typeface="+mn-cs"/>
-                        </a:rPr>
-                        <a:t>1.)</a:t>
-                      </a:r>
-                    </a:p>
-                    <a:p>
-                      <a:pPr marL="0" marR="0" lvl="0" indent="-342900" algn="l" defTabSz="914400" rtl="0" eaLnBrk="1" latinLnBrk="0" hangingPunct="1">
-                        <a:lnSpc>
-                          <a:spcPct val="200000"/>
-                        </a:lnSpc>
-                        <a:spcBef>
-                          <a:spcPts val="0"/>
-                        </a:spcBef>
-                        <a:spcAft>
-                          <a:spcPts val="0"/>
-                        </a:spcAft>
-                        <a:buFont typeface="Symbol" panose="05050102010706020507" pitchFamily="18" charset="2"/>
-                        <a:buChar char=""/>
-                      </a:pPr>
-                      <a:r>
-                        <a:rPr lang="en-US" sz="600" kern="1200">
-                          <a:solidFill>
-                            <a:schemeClr val="dk1"/>
-                          </a:solidFill>
-                          <a:effectLst/>
-                          <a:latin typeface="+mn-lt"/>
-                          <a:ea typeface="+mn-ea"/>
-                          <a:cs typeface="+mn-cs"/>
-                        </a:rPr>
-                        <a:t>Receiver is polling for an extensive amount of time for frames to be sent</a:t>
-                      </a:r>
-                    </a:p>
-                  </a:txBody>
-                  <a:tcPr marL="8405" marR="8405" marT="0" marB="0"/>
-                </a:tc>
-                <a:tc>
-                  <a:txBody>
-                    <a:bodyPr/>
-                    <a:lstStyle/>
-                    <a:p>
-                      <a:pPr marL="0" marR="0" algn="l" defTabSz="914400" rtl="0" eaLnBrk="1" latinLnBrk="0" hangingPunct="1">
-                        <a:lnSpc>
-                          <a:spcPct val="200000"/>
-                        </a:lnSpc>
-                        <a:spcBef>
-                          <a:spcPts val="0"/>
-                        </a:spcBef>
-                        <a:spcAft>
-                          <a:spcPts val="0"/>
-                        </a:spcAft>
-                      </a:pPr>
-                      <a:r>
-                        <a:rPr lang="en-US" sz="600" kern="1200">
-                          <a:solidFill>
-                            <a:schemeClr val="dk1"/>
-                          </a:solidFill>
-                          <a:effectLst/>
-                          <a:latin typeface="+mn-lt"/>
-                          <a:ea typeface="+mn-ea"/>
-                          <a:cs typeface="+mn-cs"/>
-                        </a:rPr>
-                        <a:t>1.)</a:t>
-                      </a:r>
-                    </a:p>
-                    <a:p>
-                      <a:pPr marL="0" marR="0" lvl="0" indent="-342900" algn="l" defTabSz="914400" rtl="0" eaLnBrk="1" latinLnBrk="0" hangingPunct="1">
-                        <a:lnSpc>
-                          <a:spcPct val="200000"/>
-                        </a:lnSpc>
-                        <a:spcBef>
-                          <a:spcPts val="0"/>
-                        </a:spcBef>
-                        <a:spcAft>
-                          <a:spcPts val="0"/>
-                        </a:spcAft>
-                        <a:buFont typeface="Symbol" panose="05050102010706020507" pitchFamily="18" charset="2"/>
-                        <a:buChar char=""/>
-                      </a:pPr>
-                      <a:r>
-                        <a:rPr lang="en-US" sz="600" kern="1200">
-                          <a:solidFill>
-                            <a:schemeClr val="dk1"/>
-                          </a:solidFill>
-                          <a:effectLst/>
-                          <a:latin typeface="+mn-lt"/>
-                          <a:ea typeface="+mn-ea"/>
-                          <a:cs typeface="+mn-cs"/>
-                        </a:rPr>
-                        <a:t>Delay in frames being sent </a:t>
-                      </a:r>
-                    </a:p>
-                  </a:txBody>
-                  <a:tcPr marL="8405" marR="8405" marT="0" marB="0"/>
-                </a:tc>
-                <a:tc>
-                  <a:txBody>
-                    <a:bodyPr/>
-                    <a:lstStyle/>
-                    <a:p>
-                      <a:pPr marL="0" marR="0" algn="l" defTabSz="914400" rtl="0" eaLnBrk="1" latinLnBrk="0" hangingPunct="1">
-                        <a:lnSpc>
-                          <a:spcPct val="200000"/>
-                        </a:lnSpc>
-                        <a:spcBef>
-                          <a:spcPts val="0"/>
-                        </a:spcBef>
-                        <a:spcAft>
-                          <a:spcPts val="0"/>
-                        </a:spcAft>
-                      </a:pPr>
-                      <a:r>
-                        <a:rPr lang="en-US" sz="600" kern="1200" dirty="0">
-                          <a:solidFill>
-                            <a:schemeClr val="dk1"/>
-                          </a:solidFill>
-                          <a:effectLst/>
-                          <a:latin typeface="+mn-lt"/>
-                          <a:ea typeface="+mn-ea"/>
-                          <a:cs typeface="+mn-cs"/>
-                        </a:rPr>
-                        <a:t>1.)</a:t>
-                      </a:r>
-                    </a:p>
-                    <a:p>
-                      <a:pPr marL="0" marR="0" lvl="0" indent="-342900" algn="l" defTabSz="914400" rtl="0" eaLnBrk="1" latinLnBrk="0" hangingPunct="1">
-                        <a:lnSpc>
-                          <a:spcPct val="200000"/>
-                        </a:lnSpc>
-                        <a:spcBef>
-                          <a:spcPts val="0"/>
-                        </a:spcBef>
-                        <a:spcAft>
-                          <a:spcPts val="0"/>
-                        </a:spcAft>
-                        <a:buFont typeface="Symbol" panose="05050102010706020507" pitchFamily="18" charset="2"/>
-                        <a:buChar char=""/>
-                      </a:pPr>
-                      <a:r>
-                        <a:rPr lang="en-US" sz="600" kern="1200" dirty="0">
-                          <a:solidFill>
-                            <a:schemeClr val="dk1"/>
-                          </a:solidFill>
-                          <a:effectLst/>
-                          <a:latin typeface="+mn-lt"/>
-                          <a:ea typeface="+mn-ea"/>
-                          <a:cs typeface="+mn-cs"/>
-                        </a:rPr>
-                        <a:t>Inter-Frame Time Fill: when necessary for a TNC to keep transmitter on while not sending frames, flags should be sent to fill in time between frames being sent</a:t>
-                      </a:r>
-                    </a:p>
-                  </a:txBody>
-                  <a:tcPr marL="8405" marR="8405" marT="0" marB="0"/>
-                </a:tc>
-                <a:extLst>
-                  <a:ext uri="{0D108BD9-81ED-4DB2-BD59-A6C34878D82A}">
-                    <a16:rowId xmlns:a16="http://schemas.microsoft.com/office/drawing/2014/main" val="327329420"/>
-                  </a:ext>
-                </a:extLst>
-              </a:tr>
-              <a:tr h="895638">
-                <a:tc>
-                  <a:txBody>
-                    <a:bodyPr/>
-                    <a:lstStyle/>
-                    <a:p>
-                      <a:pPr marL="0" marR="0" algn="ctr">
-                        <a:lnSpc>
-                          <a:spcPct val="200000"/>
-                        </a:lnSpc>
-                        <a:spcBef>
-                          <a:spcPts val="0"/>
-                        </a:spcBef>
-                        <a:spcAft>
-                          <a:spcPts val="0"/>
-                        </a:spcAft>
-                      </a:pPr>
-                      <a:r>
-                        <a:rPr lang="en-US" sz="900">
-                          <a:effectLst/>
-                        </a:rPr>
-                        <a:t>Microcontroller</a:t>
-                      </a:r>
-                      <a:endParaRPr lang="en-US" sz="1100">
-                        <a:effectLst/>
-                        <a:latin typeface="Times New Roman" panose="02020603050405020304" pitchFamily="18" charset="0"/>
-                        <a:ea typeface="Calibri" panose="020F0502020204030204" pitchFamily="34" charset="0"/>
-                      </a:endParaRPr>
-                    </a:p>
-                  </a:txBody>
-                  <a:tcPr marL="8405" marR="8405" marT="0" marB="0" anchor="ctr"/>
-                </a:tc>
-                <a:tc>
-                  <a:txBody>
-                    <a:bodyPr/>
-                    <a:lstStyle/>
-                    <a:p>
-                      <a:pPr marL="0" marR="0" algn="l" defTabSz="914400" rtl="0" eaLnBrk="1" latinLnBrk="0" hangingPunct="1">
-                        <a:lnSpc>
-                          <a:spcPct val="200000"/>
-                        </a:lnSpc>
-                        <a:spcBef>
-                          <a:spcPts val="0"/>
-                        </a:spcBef>
-                        <a:spcAft>
-                          <a:spcPts val="0"/>
-                        </a:spcAft>
-                      </a:pPr>
-                      <a:r>
-                        <a:rPr lang="en-US" sz="600" kern="1200">
-                          <a:solidFill>
-                            <a:schemeClr val="dk1"/>
-                          </a:solidFill>
-                          <a:effectLst/>
-                          <a:latin typeface="+mn-lt"/>
-                          <a:ea typeface="+mn-ea"/>
-                          <a:cs typeface="+mn-cs"/>
-                        </a:rPr>
-                        <a:t>1.) Transmits audio signals with improper frequencies</a:t>
-                      </a:r>
-                    </a:p>
-                    <a:p>
-                      <a:pPr marL="0" marR="0" algn="l" defTabSz="914400" rtl="0" eaLnBrk="1" latinLnBrk="0" hangingPunct="1">
-                        <a:lnSpc>
-                          <a:spcPct val="200000"/>
-                        </a:lnSpc>
-                        <a:spcBef>
-                          <a:spcPts val="0"/>
-                        </a:spcBef>
-                        <a:spcAft>
-                          <a:spcPts val="0"/>
-                        </a:spcAft>
-                      </a:pPr>
-                      <a:r>
-                        <a:rPr lang="en-US" sz="600" kern="1200">
-                          <a:solidFill>
-                            <a:schemeClr val="dk1"/>
-                          </a:solidFill>
-                          <a:effectLst/>
-                          <a:latin typeface="+mn-lt"/>
-                          <a:ea typeface="+mn-ea"/>
-                          <a:cs typeface="+mn-cs"/>
-                        </a:rPr>
-                        <a:t> </a:t>
-                      </a:r>
-                    </a:p>
-                    <a:p>
-                      <a:pPr marL="0" marR="0" algn="l" defTabSz="914400" rtl="0" eaLnBrk="1" latinLnBrk="0" hangingPunct="1">
-                        <a:lnSpc>
-                          <a:spcPct val="200000"/>
-                        </a:lnSpc>
-                        <a:spcBef>
-                          <a:spcPts val="0"/>
-                        </a:spcBef>
-                        <a:spcAft>
-                          <a:spcPts val="0"/>
-                        </a:spcAft>
-                      </a:pPr>
-                      <a:r>
-                        <a:rPr lang="en-US" sz="600" kern="1200">
-                          <a:solidFill>
-                            <a:schemeClr val="dk1"/>
-                          </a:solidFill>
-                          <a:effectLst/>
-                          <a:latin typeface="+mn-lt"/>
-                          <a:ea typeface="+mn-ea"/>
-                          <a:cs typeface="+mn-cs"/>
-                        </a:rPr>
-                        <a:t>2.) receives audio signal with noise</a:t>
-                      </a:r>
-                    </a:p>
-                  </a:txBody>
-                  <a:tcPr marL="8405" marR="8405" marT="0" marB="0"/>
-                </a:tc>
-                <a:tc>
-                  <a:txBody>
-                    <a:bodyPr/>
-                    <a:lstStyle/>
-                    <a:p>
-                      <a:pPr marL="0" marR="0" algn="l" defTabSz="914400" rtl="0" eaLnBrk="1" latinLnBrk="0" hangingPunct="1">
-                        <a:lnSpc>
-                          <a:spcPct val="200000"/>
-                        </a:lnSpc>
-                        <a:spcBef>
-                          <a:spcPts val="0"/>
-                        </a:spcBef>
-                        <a:spcAft>
-                          <a:spcPts val="0"/>
-                        </a:spcAft>
-                      </a:pPr>
-                      <a:r>
-                        <a:rPr lang="en-US" sz="600" kern="1200">
-                          <a:solidFill>
-                            <a:schemeClr val="dk1"/>
-                          </a:solidFill>
-                          <a:effectLst/>
-                          <a:latin typeface="+mn-lt"/>
-                          <a:ea typeface="+mn-ea"/>
-                          <a:cs typeface="+mn-cs"/>
-                        </a:rPr>
-                        <a:t>1.)</a:t>
-                      </a:r>
-                    </a:p>
-                    <a:p>
-                      <a:pPr marL="0" marR="0" lvl="0" indent="-342900" algn="l" defTabSz="914400" rtl="0" eaLnBrk="1" latinLnBrk="0" hangingPunct="1">
-                        <a:lnSpc>
-                          <a:spcPct val="200000"/>
-                        </a:lnSpc>
-                        <a:spcBef>
-                          <a:spcPts val="0"/>
-                        </a:spcBef>
-                        <a:spcAft>
-                          <a:spcPts val="0"/>
-                        </a:spcAft>
-                        <a:buFont typeface="Symbol" panose="05050102010706020507" pitchFamily="18" charset="2"/>
-                        <a:buChar char=""/>
-                      </a:pPr>
-                      <a:r>
-                        <a:rPr lang="en-US" sz="600" kern="1200">
-                          <a:solidFill>
-                            <a:schemeClr val="dk1"/>
-                          </a:solidFill>
-                          <a:effectLst/>
-                          <a:latin typeface="+mn-lt"/>
-                          <a:ea typeface="+mn-ea"/>
-                          <a:cs typeface="+mn-cs"/>
-                        </a:rPr>
-                        <a:t>bit errors</a:t>
-                      </a:r>
-                    </a:p>
-                    <a:p>
-                      <a:pPr marL="0" marR="0" lvl="0" indent="-342900" algn="l" defTabSz="914400" rtl="0" eaLnBrk="1" latinLnBrk="0" hangingPunct="1">
-                        <a:lnSpc>
-                          <a:spcPct val="200000"/>
-                        </a:lnSpc>
-                        <a:spcBef>
-                          <a:spcPts val="0"/>
-                        </a:spcBef>
-                        <a:spcAft>
-                          <a:spcPts val="0"/>
-                        </a:spcAft>
-                        <a:buFont typeface="Symbol" panose="05050102010706020507" pitchFamily="18" charset="2"/>
-                        <a:buChar char=""/>
-                      </a:pPr>
-                      <a:r>
-                        <a:rPr lang="en-US" sz="600" kern="1200">
-                          <a:solidFill>
-                            <a:schemeClr val="dk1"/>
-                          </a:solidFill>
-                          <a:effectLst/>
-                          <a:latin typeface="+mn-lt"/>
-                          <a:ea typeface="+mn-ea"/>
-                          <a:cs typeface="+mn-cs"/>
-                        </a:rPr>
-                        <a:t>Receiving TNC misinterprets data</a:t>
-                      </a:r>
-                    </a:p>
-                    <a:p>
-                      <a:pPr marL="0" marR="0" algn="l" defTabSz="914400" rtl="0" eaLnBrk="1" latinLnBrk="0" hangingPunct="1">
-                        <a:lnSpc>
-                          <a:spcPct val="200000"/>
-                        </a:lnSpc>
-                        <a:spcBef>
-                          <a:spcPts val="0"/>
-                        </a:spcBef>
-                        <a:spcAft>
-                          <a:spcPts val="0"/>
-                        </a:spcAft>
-                      </a:pPr>
-                      <a:r>
-                        <a:rPr lang="en-US" sz="600" kern="1200">
-                          <a:solidFill>
-                            <a:schemeClr val="dk1"/>
-                          </a:solidFill>
-                          <a:effectLst/>
-                          <a:latin typeface="+mn-lt"/>
-                          <a:ea typeface="+mn-ea"/>
-                          <a:cs typeface="+mn-cs"/>
-                        </a:rPr>
-                        <a:t>2.)</a:t>
-                      </a:r>
-                    </a:p>
-                    <a:p>
-                      <a:pPr marL="0" marR="0" lvl="0" indent="-342900" algn="l" defTabSz="914400" rtl="0" eaLnBrk="1" latinLnBrk="0" hangingPunct="1">
-                        <a:lnSpc>
-                          <a:spcPct val="200000"/>
-                        </a:lnSpc>
-                        <a:spcBef>
-                          <a:spcPts val="0"/>
-                        </a:spcBef>
-                        <a:spcAft>
-                          <a:spcPts val="0"/>
-                        </a:spcAft>
-                        <a:buFont typeface="Symbol" panose="05050102010706020507" pitchFamily="18" charset="2"/>
-                        <a:buChar char=""/>
-                      </a:pPr>
-                      <a:r>
-                        <a:rPr lang="en-US" sz="600" kern="1200">
-                          <a:solidFill>
-                            <a:schemeClr val="dk1"/>
-                          </a:solidFill>
-                          <a:effectLst/>
-                          <a:latin typeface="+mn-lt"/>
-                          <a:ea typeface="+mn-ea"/>
-                          <a:cs typeface="+mn-cs"/>
-                        </a:rPr>
-                        <a:t>bit errors in packets sent</a:t>
-                      </a:r>
-                    </a:p>
-                  </a:txBody>
-                  <a:tcPr marL="8405" marR="8405" marT="0" marB="0"/>
-                </a:tc>
-                <a:tc>
-                  <a:txBody>
-                    <a:bodyPr/>
-                    <a:lstStyle/>
-                    <a:p>
-                      <a:pPr marL="0" marR="0" algn="l" defTabSz="914400" rtl="0" eaLnBrk="1" latinLnBrk="0" hangingPunct="1">
-                        <a:lnSpc>
-                          <a:spcPct val="200000"/>
-                        </a:lnSpc>
-                        <a:spcBef>
-                          <a:spcPts val="0"/>
-                        </a:spcBef>
-                        <a:spcAft>
-                          <a:spcPts val="0"/>
-                        </a:spcAft>
-                      </a:pPr>
-                      <a:r>
-                        <a:rPr lang="en-US" sz="600" kern="1200">
-                          <a:solidFill>
-                            <a:schemeClr val="dk1"/>
-                          </a:solidFill>
-                          <a:effectLst/>
-                          <a:latin typeface="+mn-lt"/>
-                          <a:ea typeface="+mn-ea"/>
-                          <a:cs typeface="+mn-cs"/>
-                        </a:rPr>
-                        <a:t>­1.)</a:t>
-                      </a:r>
-                    </a:p>
-                    <a:p>
-                      <a:pPr marL="0" marR="0" lvl="0" indent="-342900" algn="l" defTabSz="914400" rtl="0" eaLnBrk="1" latinLnBrk="0" hangingPunct="1">
-                        <a:lnSpc>
-                          <a:spcPct val="200000"/>
-                        </a:lnSpc>
-                        <a:spcBef>
-                          <a:spcPts val="0"/>
-                        </a:spcBef>
-                        <a:spcAft>
-                          <a:spcPts val="0"/>
-                        </a:spcAft>
-                        <a:buFont typeface="Symbol" panose="05050102010706020507" pitchFamily="18" charset="2"/>
-                        <a:buChar char=""/>
-                      </a:pPr>
-                      <a:r>
-                        <a:rPr lang="en-US" sz="600" kern="1200">
-                          <a:solidFill>
-                            <a:schemeClr val="dk1"/>
-                          </a:solidFill>
-                          <a:effectLst/>
-                          <a:latin typeface="+mn-lt"/>
-                          <a:ea typeface="+mn-ea"/>
-                          <a:cs typeface="+mn-cs"/>
-                        </a:rPr>
-                        <a:t>Incorrect code/configuration</a:t>
-                      </a:r>
-                    </a:p>
-                    <a:p>
-                      <a:pPr marL="0" marR="0" algn="l" defTabSz="914400" rtl="0" eaLnBrk="1" latinLnBrk="0" hangingPunct="1">
-                        <a:lnSpc>
-                          <a:spcPct val="200000"/>
-                        </a:lnSpc>
-                        <a:spcBef>
-                          <a:spcPts val="0"/>
-                        </a:spcBef>
-                        <a:spcAft>
-                          <a:spcPts val="0"/>
-                        </a:spcAft>
-                      </a:pPr>
-                      <a:r>
-                        <a:rPr lang="en-US" sz="600" kern="1200">
-                          <a:solidFill>
-                            <a:schemeClr val="dk1"/>
-                          </a:solidFill>
-                          <a:effectLst/>
-                          <a:latin typeface="+mn-lt"/>
-                          <a:ea typeface="+mn-ea"/>
-                          <a:cs typeface="+mn-cs"/>
-                        </a:rPr>
-                        <a:t>2.)</a:t>
-                      </a:r>
-                    </a:p>
-                    <a:p>
-                      <a:pPr marL="0" marR="0" lvl="0" indent="-342900" algn="l" defTabSz="914400" rtl="0" eaLnBrk="1" latinLnBrk="0" hangingPunct="1">
-                        <a:lnSpc>
-                          <a:spcPct val="200000"/>
-                        </a:lnSpc>
-                        <a:spcBef>
-                          <a:spcPts val="0"/>
-                        </a:spcBef>
-                        <a:spcAft>
-                          <a:spcPts val="0"/>
-                        </a:spcAft>
-                        <a:buFont typeface="Symbol" panose="05050102010706020507" pitchFamily="18" charset="2"/>
-                        <a:buChar char=""/>
-                      </a:pPr>
-                      <a:r>
-                        <a:rPr lang="en-US" sz="600" kern="1200">
-                          <a:solidFill>
-                            <a:schemeClr val="dk1"/>
-                          </a:solidFill>
-                          <a:effectLst/>
-                          <a:latin typeface="+mn-lt"/>
-                          <a:ea typeface="+mn-ea"/>
-                          <a:cs typeface="+mn-cs"/>
-                        </a:rPr>
-                        <a:t>noisy environment</a:t>
-                      </a:r>
-                    </a:p>
-                  </a:txBody>
-                  <a:tcPr marL="8405" marR="8405" marT="0" marB="0"/>
-                </a:tc>
-                <a:tc>
-                  <a:txBody>
-                    <a:bodyPr/>
-                    <a:lstStyle/>
-                    <a:p>
-                      <a:pPr marL="0" marR="0" algn="l" defTabSz="914400" rtl="0" eaLnBrk="1" latinLnBrk="0" hangingPunct="1">
-                        <a:lnSpc>
-                          <a:spcPct val="200000"/>
-                        </a:lnSpc>
-                        <a:spcBef>
-                          <a:spcPts val="0"/>
-                        </a:spcBef>
-                        <a:spcAft>
-                          <a:spcPts val="0"/>
-                        </a:spcAft>
-                      </a:pPr>
-                      <a:r>
-                        <a:rPr lang="en-US" sz="600" kern="1200" dirty="0">
-                          <a:solidFill>
-                            <a:schemeClr val="dk1"/>
-                          </a:solidFill>
-                          <a:effectLst/>
-                          <a:latin typeface="+mn-lt"/>
-                          <a:ea typeface="+mn-ea"/>
-                          <a:cs typeface="+mn-cs"/>
-                        </a:rPr>
-                        <a:t>1.)</a:t>
-                      </a:r>
-                    </a:p>
-                    <a:p>
-                      <a:pPr marL="0" marR="0" lvl="0" indent="-342900" algn="l" defTabSz="914400" rtl="0" eaLnBrk="1" latinLnBrk="0" hangingPunct="1">
-                        <a:lnSpc>
-                          <a:spcPct val="200000"/>
-                        </a:lnSpc>
-                        <a:spcBef>
-                          <a:spcPts val="0"/>
-                        </a:spcBef>
-                        <a:spcAft>
-                          <a:spcPts val="0"/>
-                        </a:spcAft>
-                        <a:buFont typeface="Symbol" panose="05050102010706020507" pitchFamily="18" charset="2"/>
-                        <a:buChar char=""/>
-                      </a:pPr>
-                      <a:r>
-                        <a:rPr lang="en-US" sz="600" kern="1200" dirty="0">
-                          <a:solidFill>
-                            <a:schemeClr val="dk1"/>
-                          </a:solidFill>
-                          <a:effectLst/>
-                          <a:latin typeface="+mn-lt"/>
-                          <a:ea typeface="+mn-ea"/>
-                          <a:cs typeface="+mn-cs"/>
-                        </a:rPr>
-                        <a:t>Reconfigure microcontroller or rewrite code</a:t>
-                      </a:r>
-                    </a:p>
-                    <a:p>
-                      <a:pPr marL="0" marR="0" algn="l" defTabSz="914400" rtl="0" eaLnBrk="1" latinLnBrk="0" hangingPunct="1">
-                        <a:lnSpc>
-                          <a:spcPct val="200000"/>
-                        </a:lnSpc>
-                        <a:spcBef>
-                          <a:spcPts val="0"/>
-                        </a:spcBef>
-                        <a:spcAft>
-                          <a:spcPts val="0"/>
-                        </a:spcAft>
-                      </a:pPr>
-                      <a:r>
-                        <a:rPr lang="en-US" sz="600" kern="1200" dirty="0">
-                          <a:solidFill>
-                            <a:schemeClr val="dk1"/>
-                          </a:solidFill>
-                          <a:effectLst/>
-                          <a:latin typeface="+mn-lt"/>
-                          <a:ea typeface="+mn-ea"/>
-                          <a:cs typeface="+mn-cs"/>
-                        </a:rPr>
-                        <a:t>2.)</a:t>
-                      </a:r>
-                    </a:p>
-                    <a:p>
-                      <a:pPr marL="0" marR="0" lvl="0" indent="-342900" algn="l" defTabSz="914400" rtl="0" eaLnBrk="1" latinLnBrk="0" hangingPunct="1">
-                        <a:lnSpc>
-                          <a:spcPct val="200000"/>
-                        </a:lnSpc>
-                        <a:spcBef>
-                          <a:spcPts val="0"/>
-                        </a:spcBef>
-                        <a:spcAft>
-                          <a:spcPts val="0"/>
-                        </a:spcAft>
-                        <a:buFont typeface="Symbol" panose="05050102010706020507" pitchFamily="18" charset="2"/>
-                        <a:buChar char=""/>
-                      </a:pPr>
-                      <a:r>
-                        <a:rPr lang="en-US" sz="600" kern="1200" dirty="0">
-                          <a:solidFill>
-                            <a:schemeClr val="dk1"/>
-                          </a:solidFill>
-                          <a:effectLst/>
-                          <a:latin typeface="+mn-lt"/>
-                          <a:ea typeface="+mn-ea"/>
-                          <a:cs typeface="+mn-cs"/>
-                        </a:rPr>
-                        <a:t>check for good connections</a:t>
-                      </a:r>
-                    </a:p>
-                    <a:p>
-                      <a:pPr marL="0" marR="0" lvl="0" indent="-342900" algn="l" defTabSz="914400" rtl="0" eaLnBrk="1" latinLnBrk="0" hangingPunct="1">
-                        <a:lnSpc>
-                          <a:spcPct val="200000"/>
-                        </a:lnSpc>
-                        <a:spcBef>
-                          <a:spcPts val="0"/>
-                        </a:spcBef>
-                        <a:spcAft>
-                          <a:spcPts val="0"/>
-                        </a:spcAft>
-                        <a:buFont typeface="Symbol" panose="05050102010706020507" pitchFamily="18" charset="2"/>
-                        <a:buChar char=""/>
-                      </a:pPr>
-                      <a:r>
-                        <a:rPr lang="en-US" sz="600" kern="1200" dirty="0">
-                          <a:solidFill>
-                            <a:schemeClr val="dk1"/>
-                          </a:solidFill>
-                          <a:effectLst/>
-                          <a:latin typeface="+mn-lt"/>
-                          <a:ea typeface="+mn-ea"/>
-                          <a:cs typeface="+mn-cs"/>
-                        </a:rPr>
-                        <a:t>Move to a less noisy environment</a:t>
-                      </a:r>
-                    </a:p>
-                    <a:p>
-                      <a:pPr marL="0" marR="0" algn="l" defTabSz="914400" rtl="0" eaLnBrk="1" latinLnBrk="0" hangingPunct="1">
-                        <a:lnSpc>
-                          <a:spcPct val="200000"/>
-                        </a:lnSpc>
-                        <a:spcBef>
-                          <a:spcPts val="0"/>
-                        </a:spcBef>
-                        <a:spcAft>
-                          <a:spcPts val="0"/>
-                        </a:spcAft>
-                      </a:pPr>
-                      <a:r>
-                        <a:rPr lang="en-US" sz="600" kern="1200" dirty="0">
-                          <a:solidFill>
-                            <a:schemeClr val="dk1"/>
-                          </a:solidFill>
-                          <a:effectLst/>
-                          <a:latin typeface="+mn-lt"/>
-                          <a:ea typeface="+mn-ea"/>
-                          <a:cs typeface="+mn-cs"/>
-                        </a:rPr>
-                        <a:t> </a:t>
-                      </a:r>
-                    </a:p>
-                  </a:txBody>
-                  <a:tcPr marL="8405" marR="8405" marT="0" marB="0"/>
-                </a:tc>
-                <a:extLst>
-                  <a:ext uri="{0D108BD9-81ED-4DB2-BD59-A6C34878D82A}">
-                    <a16:rowId xmlns:a16="http://schemas.microsoft.com/office/drawing/2014/main" val="1351056469"/>
-                  </a:ext>
-                </a:extLst>
-              </a:tr>
-              <a:tr h="1048476">
-                <a:tc>
-                  <a:txBody>
-                    <a:bodyPr/>
-                    <a:lstStyle/>
-                    <a:p>
-                      <a:pPr marL="0" marR="0" algn="ctr">
-                        <a:lnSpc>
-                          <a:spcPct val="200000"/>
-                        </a:lnSpc>
-                        <a:spcBef>
-                          <a:spcPts val="0"/>
-                        </a:spcBef>
-                        <a:spcAft>
-                          <a:spcPts val="0"/>
-                        </a:spcAft>
-                      </a:pPr>
-                      <a:r>
-                        <a:rPr lang="en-US" sz="900" dirty="0">
-                          <a:effectLst/>
-                        </a:rPr>
-                        <a:t>Push-to-talk (PTT)</a:t>
-                      </a:r>
-                      <a:endParaRPr lang="en-US" sz="1100" dirty="0">
-                        <a:effectLst/>
-                        <a:latin typeface="Times New Roman" panose="02020603050405020304" pitchFamily="18" charset="0"/>
-                        <a:ea typeface="Calibri" panose="020F0502020204030204" pitchFamily="34" charset="0"/>
-                      </a:endParaRPr>
-                    </a:p>
-                  </a:txBody>
-                  <a:tcPr marL="8405" marR="8405" marT="0" marB="0" anchor="ctr"/>
-                </a:tc>
-                <a:tc>
-                  <a:txBody>
-                    <a:bodyPr/>
-                    <a:lstStyle/>
-                    <a:p>
-                      <a:pPr marL="0" marR="0" algn="l" defTabSz="914400" rtl="0" eaLnBrk="1" latinLnBrk="0" hangingPunct="1">
-                        <a:lnSpc>
-                          <a:spcPct val="200000"/>
-                        </a:lnSpc>
-                        <a:spcBef>
-                          <a:spcPts val="0"/>
-                        </a:spcBef>
-                        <a:spcAft>
-                          <a:spcPts val="0"/>
-                        </a:spcAft>
-                      </a:pPr>
-                      <a:r>
-                        <a:rPr lang="en-US" sz="600" kern="1200">
-                          <a:solidFill>
-                            <a:schemeClr val="dk1"/>
-                          </a:solidFill>
-                          <a:effectLst/>
-                          <a:latin typeface="+mn-lt"/>
-                          <a:ea typeface="+mn-ea"/>
-                          <a:cs typeface="+mn-cs"/>
-                        </a:rPr>
-                        <a:t>1.) LED burns out</a:t>
-                      </a:r>
-                    </a:p>
-                    <a:p>
-                      <a:pPr marL="0" marR="0" algn="l" defTabSz="914400" rtl="0" eaLnBrk="1" latinLnBrk="0" hangingPunct="1">
-                        <a:lnSpc>
-                          <a:spcPct val="200000"/>
-                        </a:lnSpc>
-                        <a:spcBef>
-                          <a:spcPts val="0"/>
-                        </a:spcBef>
-                        <a:spcAft>
-                          <a:spcPts val="0"/>
-                        </a:spcAft>
-                      </a:pPr>
-                      <a:r>
-                        <a:rPr lang="en-US" sz="600" kern="1200">
-                          <a:solidFill>
-                            <a:schemeClr val="dk1"/>
-                          </a:solidFill>
-                          <a:effectLst/>
-                          <a:latin typeface="+mn-lt"/>
-                          <a:ea typeface="+mn-ea"/>
-                          <a:cs typeface="+mn-cs"/>
-                        </a:rPr>
-                        <a:t> </a:t>
-                      </a:r>
-                    </a:p>
-                    <a:p>
-                      <a:pPr marL="0" marR="0" algn="l" defTabSz="914400" rtl="0" eaLnBrk="1" latinLnBrk="0" hangingPunct="1">
-                        <a:lnSpc>
-                          <a:spcPct val="200000"/>
-                        </a:lnSpc>
-                        <a:spcBef>
-                          <a:spcPts val="0"/>
-                        </a:spcBef>
-                        <a:spcAft>
-                          <a:spcPts val="0"/>
-                        </a:spcAft>
-                      </a:pPr>
-                      <a:r>
-                        <a:rPr lang="en-US" sz="600" kern="1200">
-                          <a:solidFill>
-                            <a:schemeClr val="dk1"/>
-                          </a:solidFill>
-                          <a:effectLst/>
-                          <a:latin typeface="+mn-lt"/>
-                          <a:ea typeface="+mn-ea"/>
-                          <a:cs typeface="+mn-cs"/>
-                        </a:rPr>
-                        <a:t>2.) MOSFET gets too hot </a:t>
-                      </a:r>
-                    </a:p>
-                  </a:txBody>
-                  <a:tcPr marL="8405" marR="8405" marT="0" marB="0"/>
-                </a:tc>
-                <a:tc>
-                  <a:txBody>
-                    <a:bodyPr/>
-                    <a:lstStyle/>
-                    <a:p>
-                      <a:pPr marL="0" marR="0" algn="l" defTabSz="914400" rtl="0" eaLnBrk="1" latinLnBrk="0" hangingPunct="1">
-                        <a:lnSpc>
-                          <a:spcPct val="200000"/>
-                        </a:lnSpc>
-                        <a:spcBef>
-                          <a:spcPts val="0"/>
-                        </a:spcBef>
-                        <a:spcAft>
-                          <a:spcPts val="0"/>
-                        </a:spcAft>
-                      </a:pPr>
-                      <a:r>
-                        <a:rPr lang="en-US" sz="600" kern="1200" dirty="0">
-                          <a:solidFill>
-                            <a:schemeClr val="dk1"/>
-                          </a:solidFill>
-                          <a:effectLst/>
-                          <a:latin typeface="+mn-lt"/>
-                          <a:ea typeface="+mn-ea"/>
-                          <a:cs typeface="+mn-cs"/>
-                        </a:rPr>
-                        <a:t>1.)</a:t>
-                      </a:r>
-                    </a:p>
-                    <a:p>
-                      <a:pPr marL="0" marR="0" lvl="0" indent="-342900" algn="l" defTabSz="914400" rtl="0" eaLnBrk="1" latinLnBrk="0" hangingPunct="1">
-                        <a:lnSpc>
-                          <a:spcPct val="200000"/>
-                        </a:lnSpc>
-                        <a:spcBef>
-                          <a:spcPts val="0"/>
-                        </a:spcBef>
-                        <a:spcAft>
-                          <a:spcPts val="0"/>
-                        </a:spcAft>
-                        <a:buFont typeface="Symbol" panose="05050102010706020507" pitchFamily="18" charset="2"/>
-                        <a:buChar char=""/>
-                      </a:pPr>
-                      <a:r>
-                        <a:rPr lang="en-US" sz="600" kern="1200" dirty="0">
-                          <a:solidFill>
-                            <a:schemeClr val="dk1"/>
-                          </a:solidFill>
-                          <a:effectLst/>
-                          <a:latin typeface="+mn-lt"/>
-                          <a:ea typeface="+mn-ea"/>
-                          <a:cs typeface="+mn-cs"/>
-                        </a:rPr>
-                        <a:t>User cannot tell if TNC is sending audio signal to radio.</a:t>
-                      </a:r>
-                    </a:p>
-                    <a:p>
-                      <a:pPr marL="0" marR="0" algn="l" defTabSz="914400" rtl="0" eaLnBrk="1" latinLnBrk="0" hangingPunct="1">
-                        <a:lnSpc>
-                          <a:spcPct val="200000"/>
-                        </a:lnSpc>
-                        <a:spcBef>
-                          <a:spcPts val="0"/>
-                        </a:spcBef>
-                        <a:spcAft>
-                          <a:spcPts val="0"/>
-                        </a:spcAft>
-                      </a:pPr>
-                      <a:r>
-                        <a:rPr lang="en-US" sz="600" kern="1200" dirty="0">
-                          <a:solidFill>
-                            <a:schemeClr val="dk1"/>
-                          </a:solidFill>
-                          <a:effectLst/>
-                          <a:latin typeface="+mn-lt"/>
-                          <a:ea typeface="+mn-ea"/>
-                          <a:cs typeface="+mn-cs"/>
-                        </a:rPr>
-                        <a:t>2.)</a:t>
-                      </a:r>
-                    </a:p>
-                    <a:p>
-                      <a:pPr marL="0" marR="0" lvl="0" indent="-342900" algn="l" defTabSz="914400" rtl="0" eaLnBrk="1" latinLnBrk="0" hangingPunct="1">
-                        <a:lnSpc>
-                          <a:spcPct val="200000"/>
-                        </a:lnSpc>
-                        <a:spcBef>
-                          <a:spcPts val="0"/>
-                        </a:spcBef>
-                        <a:spcAft>
-                          <a:spcPts val="0"/>
-                        </a:spcAft>
-                        <a:buFont typeface="Symbol" panose="05050102010706020507" pitchFamily="18" charset="2"/>
-                        <a:buChar char=""/>
-                      </a:pPr>
-                      <a:r>
-                        <a:rPr lang="en-US" sz="600" kern="1200" dirty="0">
-                          <a:solidFill>
-                            <a:schemeClr val="dk1"/>
-                          </a:solidFill>
-                          <a:effectLst/>
-                          <a:latin typeface="+mn-lt"/>
-                          <a:ea typeface="+mn-ea"/>
-                          <a:cs typeface="+mn-cs"/>
-                        </a:rPr>
-                        <a:t>Can damage components near MOSFET</a:t>
-                      </a:r>
-                    </a:p>
-                    <a:p>
-                      <a:pPr marL="0" marR="0" lvl="0" indent="-342900" algn="l" defTabSz="914400" rtl="0" eaLnBrk="1" latinLnBrk="0" hangingPunct="1">
-                        <a:lnSpc>
-                          <a:spcPct val="200000"/>
-                        </a:lnSpc>
-                        <a:spcBef>
-                          <a:spcPts val="0"/>
-                        </a:spcBef>
-                        <a:spcAft>
-                          <a:spcPts val="0"/>
-                        </a:spcAft>
-                        <a:buFont typeface="Symbol" panose="05050102010706020507" pitchFamily="18" charset="2"/>
-                        <a:buChar char=""/>
-                      </a:pPr>
-                      <a:r>
-                        <a:rPr lang="en-US" sz="600" kern="1200" dirty="0">
-                          <a:solidFill>
-                            <a:schemeClr val="dk1"/>
-                          </a:solidFill>
-                          <a:effectLst/>
-                          <a:latin typeface="+mn-lt"/>
-                          <a:ea typeface="+mn-ea"/>
-                          <a:cs typeface="+mn-cs"/>
-                        </a:rPr>
-                        <a:t>MOSFET can burn out and TNC cannot perform audio transmission</a:t>
-                      </a:r>
-                    </a:p>
-                  </a:txBody>
-                  <a:tcPr marL="8405" marR="8405" marT="0" marB="0"/>
-                </a:tc>
-                <a:tc>
-                  <a:txBody>
-                    <a:bodyPr/>
-                    <a:lstStyle/>
-                    <a:p>
-                      <a:pPr marL="0" marR="0" algn="l" defTabSz="914400" rtl="0" eaLnBrk="1" latinLnBrk="0" hangingPunct="1">
-                        <a:lnSpc>
-                          <a:spcPct val="200000"/>
-                        </a:lnSpc>
-                        <a:spcBef>
-                          <a:spcPts val="0"/>
-                        </a:spcBef>
-                        <a:spcAft>
-                          <a:spcPts val="0"/>
-                        </a:spcAft>
-                      </a:pPr>
-                      <a:r>
-                        <a:rPr lang="en-US" sz="600" kern="1200" dirty="0">
-                          <a:solidFill>
-                            <a:schemeClr val="dk1"/>
-                          </a:solidFill>
-                          <a:effectLst/>
-                          <a:latin typeface="+mn-lt"/>
-                          <a:ea typeface="+mn-ea"/>
-                          <a:cs typeface="+mn-cs"/>
-                        </a:rPr>
-                        <a:t>1.)</a:t>
-                      </a:r>
-                    </a:p>
-                    <a:p>
-                      <a:pPr marL="0" marR="0" indent="-228600" algn="l" defTabSz="914400" rtl="0" eaLnBrk="1" latinLnBrk="0" hangingPunct="1">
-                        <a:lnSpc>
-                          <a:spcPct val="200000"/>
-                        </a:lnSpc>
-                        <a:spcBef>
-                          <a:spcPts val="0"/>
-                        </a:spcBef>
-                        <a:spcAft>
-                          <a:spcPts val="0"/>
-                        </a:spcAft>
-                      </a:pPr>
-                      <a:r>
-                        <a:rPr lang="en-US" sz="600" kern="1200" dirty="0">
-                          <a:solidFill>
-                            <a:schemeClr val="dk1"/>
-                          </a:solidFill>
-                          <a:effectLst/>
-                          <a:latin typeface="+mn-lt"/>
-                          <a:ea typeface="+mn-ea"/>
-                          <a:cs typeface="+mn-cs"/>
-                        </a:rPr>
-                        <a:t>LED used is old</a:t>
-                      </a:r>
-                    </a:p>
-                    <a:p>
-                      <a:pPr marL="0" marR="0" algn="l" defTabSz="914400" rtl="0" eaLnBrk="1" latinLnBrk="0" hangingPunct="1">
-                        <a:lnSpc>
-                          <a:spcPct val="200000"/>
-                        </a:lnSpc>
-                        <a:spcBef>
-                          <a:spcPts val="0"/>
-                        </a:spcBef>
-                        <a:spcAft>
-                          <a:spcPts val="0"/>
-                        </a:spcAft>
-                      </a:pPr>
-                      <a:r>
-                        <a:rPr lang="en-US" sz="600" kern="1200" dirty="0">
-                          <a:solidFill>
-                            <a:schemeClr val="dk1"/>
-                          </a:solidFill>
-                          <a:effectLst/>
-                          <a:latin typeface="+mn-lt"/>
-                          <a:ea typeface="+mn-ea"/>
-                          <a:cs typeface="+mn-cs"/>
-                        </a:rPr>
-                        <a:t>2.)</a:t>
-                      </a:r>
-                    </a:p>
-                    <a:p>
-                      <a:pPr marL="0" marR="0" indent="-228600" algn="l" defTabSz="914400" rtl="0" eaLnBrk="1" latinLnBrk="0" hangingPunct="1">
-                        <a:lnSpc>
-                          <a:spcPct val="200000"/>
-                        </a:lnSpc>
-                        <a:spcBef>
-                          <a:spcPts val="0"/>
-                        </a:spcBef>
-                        <a:spcAft>
-                          <a:spcPts val="0"/>
-                        </a:spcAft>
-                      </a:pPr>
-                      <a:r>
-                        <a:rPr lang="en-US" sz="600" kern="1200" dirty="0">
-                          <a:solidFill>
-                            <a:schemeClr val="dk1"/>
-                          </a:solidFill>
-                          <a:effectLst/>
-                          <a:latin typeface="+mn-lt"/>
-                          <a:ea typeface="+mn-ea"/>
-                          <a:cs typeface="+mn-cs"/>
-                        </a:rPr>
-                        <a:t>MOSFET is consuming too much power</a:t>
-                      </a:r>
-                    </a:p>
-                    <a:p>
-                      <a:pPr marL="0" marR="0" indent="-228600" algn="l" defTabSz="914400" rtl="0" eaLnBrk="1" latinLnBrk="0" hangingPunct="1">
-                        <a:lnSpc>
-                          <a:spcPct val="200000"/>
-                        </a:lnSpc>
-                        <a:spcBef>
-                          <a:spcPts val="0"/>
-                        </a:spcBef>
-                        <a:spcAft>
-                          <a:spcPts val="0"/>
-                        </a:spcAft>
-                      </a:pPr>
-                      <a:r>
-                        <a:rPr lang="en-US" sz="600" kern="1200" dirty="0">
-                          <a:solidFill>
-                            <a:schemeClr val="dk1"/>
-                          </a:solidFill>
-                          <a:effectLst/>
-                          <a:latin typeface="+mn-lt"/>
-                          <a:ea typeface="+mn-ea"/>
-                          <a:cs typeface="+mn-cs"/>
-                        </a:rPr>
-                        <a:t>insufficient MOSFET used to handle required Power</a:t>
-                      </a:r>
-                    </a:p>
-                    <a:p>
-                      <a:pPr marL="0" marR="0" indent="-228600" algn="l" defTabSz="914400" rtl="0" eaLnBrk="1" latinLnBrk="0" hangingPunct="1">
-                        <a:lnSpc>
-                          <a:spcPct val="200000"/>
-                        </a:lnSpc>
-                        <a:spcBef>
-                          <a:spcPts val="0"/>
-                        </a:spcBef>
-                        <a:spcAft>
-                          <a:spcPts val="0"/>
-                        </a:spcAft>
-                      </a:pPr>
-                      <a:r>
-                        <a:rPr lang="en-US" sz="600" kern="1200" dirty="0">
-                          <a:solidFill>
-                            <a:schemeClr val="dk1"/>
-                          </a:solidFill>
-                          <a:effectLst/>
-                          <a:latin typeface="+mn-lt"/>
-                          <a:ea typeface="+mn-ea"/>
-                          <a:cs typeface="+mn-cs"/>
-                        </a:rPr>
-                        <a:t>improper capacitors and resistors used in PTT circuit</a:t>
-                      </a:r>
-                    </a:p>
-                  </a:txBody>
-                  <a:tcPr marL="8405" marR="8405" marT="0" marB="0"/>
-                </a:tc>
-                <a:tc>
-                  <a:txBody>
-                    <a:bodyPr/>
-                    <a:lstStyle/>
-                    <a:p>
-                      <a:pPr marL="0" marR="0" algn="l" defTabSz="914400" rtl="0" eaLnBrk="1" latinLnBrk="0" hangingPunct="1">
-                        <a:lnSpc>
-                          <a:spcPct val="200000"/>
-                        </a:lnSpc>
-                        <a:spcBef>
-                          <a:spcPts val="0"/>
-                        </a:spcBef>
-                        <a:spcAft>
-                          <a:spcPts val="0"/>
-                        </a:spcAft>
-                      </a:pPr>
-                      <a:r>
-                        <a:rPr lang="en-US" sz="600" kern="1200" dirty="0">
-                          <a:solidFill>
-                            <a:schemeClr val="dk1"/>
-                          </a:solidFill>
-                          <a:effectLst/>
-                          <a:latin typeface="+mn-lt"/>
-                          <a:ea typeface="+mn-ea"/>
-                          <a:cs typeface="+mn-cs"/>
-                        </a:rPr>
-                        <a:t>1.)</a:t>
-                      </a:r>
-                    </a:p>
-                    <a:p>
-                      <a:pPr marL="0" marR="0" lvl="0" indent="-342900" algn="l" defTabSz="914400" rtl="0" eaLnBrk="1" latinLnBrk="0" hangingPunct="1">
-                        <a:lnSpc>
-                          <a:spcPct val="200000"/>
-                        </a:lnSpc>
-                        <a:spcBef>
-                          <a:spcPts val="0"/>
-                        </a:spcBef>
-                        <a:spcAft>
-                          <a:spcPts val="0"/>
-                        </a:spcAft>
-                        <a:buFont typeface="Symbol" panose="05050102010706020507" pitchFamily="18" charset="2"/>
-                        <a:buChar char=""/>
-                      </a:pPr>
-                      <a:r>
-                        <a:rPr lang="en-US" sz="600" kern="1200" dirty="0">
-                          <a:solidFill>
-                            <a:schemeClr val="dk1"/>
-                          </a:solidFill>
-                          <a:effectLst/>
-                          <a:latin typeface="+mn-lt"/>
-                          <a:ea typeface="+mn-ea"/>
-                          <a:cs typeface="+mn-cs"/>
-                        </a:rPr>
-                        <a:t>Replace old LED</a:t>
-                      </a:r>
-                    </a:p>
-                    <a:p>
-                      <a:pPr marL="0" marR="0" algn="l" defTabSz="914400" rtl="0" eaLnBrk="1" latinLnBrk="0" hangingPunct="1">
-                        <a:lnSpc>
-                          <a:spcPct val="200000"/>
-                        </a:lnSpc>
-                        <a:spcBef>
-                          <a:spcPts val="0"/>
-                        </a:spcBef>
-                        <a:spcAft>
-                          <a:spcPts val="0"/>
-                        </a:spcAft>
-                      </a:pPr>
-                      <a:r>
-                        <a:rPr lang="en-US" sz="600" kern="1200" dirty="0">
-                          <a:solidFill>
-                            <a:schemeClr val="dk1"/>
-                          </a:solidFill>
-                          <a:effectLst/>
-                          <a:latin typeface="+mn-lt"/>
-                          <a:ea typeface="+mn-ea"/>
-                          <a:cs typeface="+mn-cs"/>
-                        </a:rPr>
-                        <a:t>2.)</a:t>
-                      </a:r>
-                    </a:p>
-                    <a:p>
-                      <a:pPr marL="0" marR="0" lvl="0" indent="-342900" algn="l" defTabSz="914400" rtl="0" eaLnBrk="1" latinLnBrk="0" hangingPunct="1">
-                        <a:lnSpc>
-                          <a:spcPct val="200000"/>
-                        </a:lnSpc>
-                        <a:spcBef>
-                          <a:spcPts val="0"/>
-                        </a:spcBef>
-                        <a:spcAft>
-                          <a:spcPts val="0"/>
-                        </a:spcAft>
-                        <a:buFont typeface="Symbol" panose="05050102010706020507" pitchFamily="18" charset="2"/>
-                        <a:buChar char=""/>
-                      </a:pPr>
-                      <a:r>
-                        <a:rPr lang="en-US" sz="600" kern="1200" dirty="0">
-                          <a:solidFill>
-                            <a:schemeClr val="dk1"/>
-                          </a:solidFill>
-                          <a:effectLst/>
-                          <a:latin typeface="+mn-lt"/>
-                          <a:ea typeface="+mn-ea"/>
-                          <a:cs typeface="+mn-cs"/>
-                        </a:rPr>
-                        <a:t>Add heat sink to MOSFET</a:t>
-                      </a:r>
-                    </a:p>
-                    <a:p>
-                      <a:pPr marL="0" marR="0" lvl="0" indent="-342900" algn="l" defTabSz="914400" rtl="0" eaLnBrk="1" latinLnBrk="0" hangingPunct="1">
-                        <a:lnSpc>
-                          <a:spcPct val="200000"/>
-                        </a:lnSpc>
-                        <a:spcBef>
-                          <a:spcPts val="0"/>
-                        </a:spcBef>
-                        <a:spcAft>
-                          <a:spcPts val="0"/>
-                        </a:spcAft>
-                        <a:buFont typeface="Symbol" panose="05050102010706020507" pitchFamily="18" charset="2"/>
-                        <a:buChar char=""/>
-                      </a:pPr>
-                      <a:r>
-                        <a:rPr lang="en-US" sz="600" kern="1200" dirty="0">
-                          <a:solidFill>
-                            <a:schemeClr val="dk1"/>
-                          </a:solidFill>
-                          <a:effectLst/>
-                          <a:latin typeface="+mn-lt"/>
-                          <a:ea typeface="+mn-ea"/>
-                          <a:cs typeface="+mn-cs"/>
-                        </a:rPr>
-                        <a:t>Replace MOSFET with a better one</a:t>
-                      </a:r>
-                    </a:p>
-                    <a:p>
-                      <a:pPr marL="0" marR="0" lvl="0" indent="-342900" algn="l" defTabSz="914400" rtl="0" eaLnBrk="1" latinLnBrk="0" hangingPunct="1">
-                        <a:lnSpc>
-                          <a:spcPct val="200000"/>
-                        </a:lnSpc>
-                        <a:spcBef>
-                          <a:spcPts val="0"/>
-                        </a:spcBef>
-                        <a:spcAft>
-                          <a:spcPts val="0"/>
-                        </a:spcAft>
-                        <a:buFont typeface="Symbol" panose="05050102010706020507" pitchFamily="18" charset="2"/>
-                        <a:buChar char=""/>
-                      </a:pPr>
-                      <a:r>
-                        <a:rPr lang="en-US" sz="600" kern="1200" dirty="0">
-                          <a:solidFill>
-                            <a:schemeClr val="dk1"/>
-                          </a:solidFill>
-                          <a:effectLst/>
-                          <a:latin typeface="+mn-lt"/>
-                          <a:ea typeface="+mn-ea"/>
-                          <a:cs typeface="+mn-cs"/>
-                        </a:rPr>
-                        <a:t>Reconsider using different resistors/capacitors in circuit</a:t>
-                      </a:r>
-                    </a:p>
-                    <a:p>
-                      <a:pPr marL="0" marR="0" algn="l" defTabSz="914400" rtl="0" eaLnBrk="1" latinLnBrk="0" hangingPunct="1">
-                        <a:lnSpc>
-                          <a:spcPct val="200000"/>
-                        </a:lnSpc>
-                        <a:spcBef>
-                          <a:spcPts val="0"/>
-                        </a:spcBef>
-                        <a:spcAft>
-                          <a:spcPts val="0"/>
-                        </a:spcAft>
-                      </a:pPr>
-                      <a:r>
-                        <a:rPr lang="en-US" sz="600" kern="1200" dirty="0">
-                          <a:solidFill>
-                            <a:schemeClr val="dk1"/>
-                          </a:solidFill>
-                          <a:effectLst/>
-                          <a:latin typeface="+mn-lt"/>
-                          <a:ea typeface="+mn-ea"/>
-                          <a:cs typeface="+mn-cs"/>
-                        </a:rPr>
-                        <a:t> </a:t>
-                      </a:r>
-                    </a:p>
-                  </a:txBody>
-                  <a:tcPr marL="8405" marR="8405" marT="0" marB="0"/>
-                </a:tc>
-                <a:extLst>
-                  <a:ext uri="{0D108BD9-81ED-4DB2-BD59-A6C34878D82A}">
-                    <a16:rowId xmlns:a16="http://schemas.microsoft.com/office/drawing/2014/main" val="1691399707"/>
-                  </a:ext>
-                </a:extLst>
-              </a:tr>
-            </a:tbl>
-          </a:graphicData>
-        </a:graphic>
-      </p:graphicFrame>
-      <p:sp>
-        <p:nvSpPr>
-          <p:cNvPr id="10" name="TextBox 9">
-            <a:extLst>
-              <a:ext uri="{FF2B5EF4-FFF2-40B4-BE49-F238E27FC236}">
-                <a16:creationId xmlns:a16="http://schemas.microsoft.com/office/drawing/2014/main" id="{095F2E7D-FEF9-42BF-B71F-F59921007C36}"/>
-              </a:ext>
-            </a:extLst>
-          </p:cNvPr>
-          <p:cNvSpPr txBox="1"/>
-          <p:nvPr/>
-        </p:nvSpPr>
-        <p:spPr>
-          <a:xfrm>
-            <a:off x="4593328" y="6413732"/>
+            <a:off x="4538465" y="6023588"/>
             <a:ext cx="3005331" cy="369332"/>
           </a:xfrm>
           <a:prstGeom prst="rect">
@@ -7022,6 +4560,42 @@
           </a:p>
         </p:txBody>
       </p:sp>
+      <p:pic>
+        <p:nvPicPr>
+          <p:cNvPr id="4" name="Picture 3" descr="A close up of text on a white background&#10;&#10;Description automatically generated">
+            <a:extLst>
+              <a:ext uri="{FF2B5EF4-FFF2-40B4-BE49-F238E27FC236}">
+                <a16:creationId xmlns:a16="http://schemas.microsoft.com/office/drawing/2014/main" id="{4DF14576-061F-44B8-816B-C7D2AAB3D8DA}"/>
+              </a:ext>
+            </a:extLst>
+          </p:cNvPr>
+          <p:cNvPicPr>
+            <a:picLocks noChangeAspect="1"/>
+          </p:cNvPicPr>
+          <p:nvPr/>
+        </p:nvPicPr>
+        <p:blipFill>
+          <a:blip r:embed="rId2">
+            <a:extLst>
+              <a:ext uri="{28A0092B-C50C-407E-A947-70E740481C1C}">
+                <a14:useLocalDpi xmlns:a14="http://schemas.microsoft.com/office/drawing/2010/main" val="0"/>
+              </a:ext>
+            </a:extLst>
+          </a:blip>
+          <a:stretch>
+            <a:fillRect/>
+          </a:stretch>
+        </p:blipFill>
+        <p:spPr>
+          <a:xfrm>
+            <a:off x="3647946" y="1263947"/>
+            <a:ext cx="4896098" cy="4595767"/>
+          </a:xfrm>
+          <a:prstGeom prst="rect">
+            <a:avLst/>
+          </a:prstGeom>
+        </p:spPr>
+      </p:pic>
     </p:spTree>
     <p:extLst>
       <p:ext uri="{BB962C8B-B14F-4D97-AF65-F5344CB8AC3E}">
